--- a/document/OOAD_Final_demo.pptx
+++ b/document/OOAD_Final_demo.pptx
@@ -12,11 +12,9 @@
     <p:sldId id="279" r:id="rId6"/>
     <p:sldId id="280" r:id="rId7"/>
     <p:sldId id="282" r:id="rId8"/>
-    <p:sldId id="286" r:id="rId9"/>
-    <p:sldId id="287" r:id="rId10"/>
-    <p:sldId id="308" r:id="rId11"/>
-    <p:sldId id="284" r:id="rId12"/>
-    <p:sldId id="307" r:id="rId13"/>
+    <p:sldId id="308" r:id="rId9"/>
+    <p:sldId id="284" r:id="rId10"/>
+    <p:sldId id="307" r:id="rId11"/>
   </p:sldIdLst>
   <p:sldSz cx="12192000" cy="6858000"/>
   <p:notesSz cx="6858000" cy="9144000"/>
@@ -7808,185 +7806,6 @@
             <p:ph type="title"/>
           </p:nvPr>
         </p:nvSpPr>
-        <p:spPr/>
-        <p:txBody>
-          <a:bodyPr/>
-          <a:lstStyle/>
-          <a:p>
-            <a:endParaRPr lang="zh-TW" altLang="en-US"/>
-          </a:p>
-        </p:txBody>
-      </p:sp>
-      <p:sp>
-        <p:nvSpPr>
-          <p:cNvPr id="3" name="內容版面配置區 2"/>
-          <p:cNvSpPr>
-            <a:spLocks noGrp="1"/>
-          </p:cNvSpPr>
-          <p:nvPr>
-            <p:ph idx="1"/>
-          </p:nvPr>
-        </p:nvSpPr>
-        <p:spPr/>
-        <p:txBody>
-          <a:bodyPr/>
-          <a:lstStyle/>
-          <a:p>
-            <a:endParaRPr lang="zh-TW" altLang="en-US"/>
-          </a:p>
-        </p:txBody>
-      </p:sp>
-      <p:pic>
-        <p:nvPicPr>
-          <p:cNvPr id="5" name="圖片 4"/>
-          <p:cNvPicPr>
-            <a:picLocks noChangeAspect="1"/>
-          </p:cNvPicPr>
-          <p:nvPr/>
-        </p:nvPicPr>
-        <p:blipFill>
-          <a:blip r:embed="rId2"/>
-          <a:stretch>
-            <a:fillRect/>
-          </a:stretch>
-        </p:blipFill>
-        <p:spPr>
-          <a:xfrm>
-            <a:off x="2842952" y="181232"/>
-            <a:ext cx="6620811" cy="6400362"/>
-          </a:xfrm>
-          <a:prstGeom prst="rect">
-            <a:avLst/>
-          </a:prstGeom>
-        </p:spPr>
-      </p:pic>
-    </p:spTree>
-    <p:extLst>
-      <p:ext uri="{BB962C8B-B14F-4D97-AF65-F5344CB8AC3E}">
-        <p14:creationId xmlns:p14="http://schemas.microsoft.com/office/powerpoint/2010/main" val="2457498206"/>
-      </p:ext>
-    </p:extLst>
-  </p:cSld>
-  <p:clrMapOvr>
-    <a:masterClrMapping/>
-  </p:clrMapOvr>
-  <p:timing>
-    <p:tnLst>
-      <p:par>
-        <p:cTn id="1" dur="indefinite" restart="never" nodeType="tmRoot"/>
-      </p:par>
-    </p:tnLst>
-  </p:timing>
-</p:sld>
-</file>
-
-<file path=ppt/slides/slide11.xml><?xml version="1.0" encoding="utf-8"?>
-<p:sld xmlns:a="http://schemas.openxmlformats.org/drawingml/2006/main" xmlns:r="http://schemas.openxmlformats.org/officeDocument/2006/relationships" xmlns:p="http://schemas.openxmlformats.org/presentationml/2006/main">
-  <p:cSld>
-    <p:spTree>
-      <p:nvGrpSpPr>
-        <p:cNvPr id="1" name=""/>
-        <p:cNvGrpSpPr/>
-        <p:nvPr/>
-      </p:nvGrpSpPr>
-      <p:grpSpPr>
-        <a:xfrm>
-          <a:off x="0" y="0"/>
-          <a:ext cx="0" cy="0"/>
-          <a:chOff x="0" y="0"/>
-          <a:chExt cx="0" cy="0"/>
-        </a:xfrm>
-      </p:grpSpPr>
-      <p:sp>
-        <p:nvSpPr>
-          <p:cNvPr id="2" name="標題 1"/>
-          <p:cNvSpPr>
-            <a:spLocks noGrp="1"/>
-          </p:cNvSpPr>
-          <p:nvPr>
-            <p:ph type="title"/>
-          </p:nvPr>
-        </p:nvSpPr>
-        <p:spPr/>
-        <p:txBody>
-          <a:bodyPr/>
-          <a:lstStyle/>
-          <a:p>
-            <a:pPr algn="ctr"/>
-            <a:r>
-              <a:rPr lang="en-US" altLang="zh-TW" dirty="0" smtClean="0"/>
-              <a:t>ALL UNIT TESTS</a:t>
-            </a:r>
-            <a:endParaRPr lang="zh-TW" altLang="en-US" dirty="0"/>
-          </a:p>
-        </p:txBody>
-      </p:sp>
-      <p:sp>
-        <p:nvSpPr>
-          <p:cNvPr id="3" name="內容版面配置區 2"/>
-          <p:cNvSpPr>
-            <a:spLocks noGrp="1"/>
-          </p:cNvSpPr>
-          <p:nvPr>
-            <p:ph idx="1"/>
-          </p:nvPr>
-        </p:nvSpPr>
-        <p:spPr/>
-        <p:txBody>
-          <a:bodyPr/>
-          <a:lstStyle/>
-          <a:p>
-            <a:endParaRPr lang="zh-TW" altLang="en-US" dirty="0"/>
-          </a:p>
-        </p:txBody>
-      </p:sp>
-    </p:spTree>
-    <p:extLst>
-      <p:ext uri="{BB962C8B-B14F-4D97-AF65-F5344CB8AC3E}">
-        <p14:creationId xmlns:p14="http://schemas.microsoft.com/office/powerpoint/2010/main" val="93982817"/>
-      </p:ext>
-    </p:extLst>
-  </p:cSld>
-  <p:clrMapOvr>
-    <a:masterClrMapping/>
-  </p:clrMapOvr>
-  <p:timing>
-    <p:tnLst>
-      <p:par>
-        <p:cTn id="1" dur="indefinite" restart="never" nodeType="tmRoot"/>
-      </p:par>
-    </p:tnLst>
-  </p:timing>
-</p:sld>
-</file>
-
-<file path=ppt/slides/slide12.xml><?xml version="1.0" encoding="utf-8"?>
-<p:sld xmlns:a="http://schemas.openxmlformats.org/drawingml/2006/main" xmlns:r="http://schemas.openxmlformats.org/officeDocument/2006/relationships" xmlns:p="http://schemas.openxmlformats.org/presentationml/2006/main">
-  <p:cSld>
-    <p:spTree>
-      <p:nvGrpSpPr>
-        <p:cNvPr id="1" name=""/>
-        <p:cNvGrpSpPr/>
-        <p:nvPr/>
-      </p:nvGrpSpPr>
-      <p:grpSpPr>
-        <a:xfrm>
-          <a:off x="0" y="0"/>
-          <a:ext cx="0" cy="0"/>
-          <a:chOff x="0" y="0"/>
-          <a:chExt cx="0" cy="0"/>
-        </a:xfrm>
-      </p:grpSpPr>
-      <p:sp>
-        <p:nvSpPr>
-          <p:cNvPr id="2" name="標題 1"/>
-          <p:cNvSpPr>
-            <a:spLocks noGrp="1"/>
-          </p:cNvSpPr>
-          <p:nvPr>
-            <p:ph type="title"/>
-          </p:nvPr>
-        </p:nvSpPr>
         <p:spPr>
           <a:xfrm>
             <a:off x="2589212" y="2596601"/>
@@ -8460,32 +8279,15 @@
           </a:p>
         </p:txBody>
       </p:sp>
-      <p:sp>
-        <p:nvSpPr>
-          <p:cNvPr id="3" name="內容版面配置區 2"/>
-          <p:cNvSpPr>
-            <a:spLocks noGrp="1"/>
-          </p:cNvSpPr>
-          <p:nvPr>
-            <p:ph idx="1"/>
-          </p:nvPr>
-        </p:nvSpPr>
-        <p:spPr/>
-        <p:txBody>
-          <a:bodyPr/>
-          <a:lstStyle/>
-          <a:p>
-            <a:endParaRPr lang="zh-TW" altLang="en-US"/>
-          </a:p>
-        </p:txBody>
-      </p:sp>
       <p:pic>
         <p:nvPicPr>
-          <p:cNvPr id="5" name="圖片 4"/>
+          <p:cNvPr id="4" name="內容版面配置區 3"/>
           <p:cNvPicPr>
-            <a:picLocks noChangeAspect="1"/>
+            <a:picLocks noGrp="1" noChangeAspect="1"/>
           </p:cNvPicPr>
-          <p:nvPr/>
+          <p:nvPr>
+            <p:ph idx="1"/>
+          </p:nvPr>
         </p:nvPicPr>
         <p:blipFill>
           <a:blip r:embed="rId2"/>
@@ -8495,8 +8297,8 @@
         </p:blipFill>
         <p:spPr>
           <a:xfrm>
-            <a:off x="1253853" y="1502230"/>
-            <a:ext cx="10607378" cy="5015270"/>
+            <a:off x="1806247" y="1400502"/>
+            <a:ext cx="7826483" cy="5227151"/>
           </a:xfrm>
           <a:prstGeom prst="rect">
             <a:avLst/>
@@ -8582,30 +8384,6 @@
           </a:p>
         </p:txBody>
       </p:sp>
-      <p:pic>
-        <p:nvPicPr>
-          <p:cNvPr id="5" name="圖片 4"/>
-          <p:cNvPicPr>
-            <a:picLocks noChangeAspect="1"/>
-          </p:cNvPicPr>
-          <p:nvPr/>
-        </p:nvPicPr>
-        <p:blipFill>
-          <a:blip r:embed="rId2"/>
-          <a:stretch>
-            <a:fillRect/>
-          </a:stretch>
-        </p:blipFill>
-        <p:spPr>
-          <a:xfrm>
-            <a:off x="141311" y="2521132"/>
-            <a:ext cx="12259695" cy="3246399"/>
-          </a:xfrm>
-          <a:prstGeom prst="rect">
-            <a:avLst/>
-          </a:prstGeom>
-        </p:spPr>
-      </p:pic>
     </p:spTree>
     <p:extLst>
       <p:ext uri="{BB962C8B-B14F-4D97-AF65-F5344CB8AC3E}">
@@ -8669,7 +8447,7 @@
       </p:sp>
       <p:pic>
         <p:nvPicPr>
-          <p:cNvPr id="4" name="內容版面配置區 3"/>
+          <p:cNvPr id="5" name="內容版面配置區 4"/>
           <p:cNvPicPr>
             <a:picLocks noGrp="1" noChangeAspect="1"/>
           </p:cNvPicPr>
@@ -8685,8 +8463,32 @@
         </p:blipFill>
         <p:spPr>
           <a:xfrm>
-            <a:off x="2697428" y="1905000"/>
-            <a:ext cx="7349226" cy="4762492"/>
+            <a:off x="357030" y="1321675"/>
+            <a:ext cx="4471789" cy="5325800"/>
+          </a:xfrm>
+          <a:prstGeom prst="rect">
+            <a:avLst/>
+          </a:prstGeom>
+        </p:spPr>
+      </p:pic>
+      <p:pic>
+        <p:nvPicPr>
+          <p:cNvPr id="7" name="圖片 6"/>
+          <p:cNvPicPr>
+            <a:picLocks noChangeAspect="1"/>
+          </p:cNvPicPr>
+          <p:nvPr/>
+        </p:nvPicPr>
+        <p:blipFill>
+          <a:blip r:embed="rId3"/>
+          <a:stretch>
+            <a:fillRect/>
+          </a:stretch>
+        </p:blipFill>
+        <p:spPr>
+          <a:xfrm>
+            <a:off x="4828819" y="1321676"/>
+            <a:ext cx="4195707" cy="5325800"/>
           </a:xfrm>
           <a:prstGeom prst="rect">
             <a:avLst/>
@@ -8745,12 +8547,7 @@
           <a:bodyPr/>
           <a:lstStyle/>
           <a:p>
-            <a:pPr algn="ctr"/>
-            <a:r>
-              <a:rPr lang="en-US" altLang="zh-TW" dirty="0"/>
-              <a:t>TOTAL TIME FOR MEMBERS</a:t>
-            </a:r>
-            <a:endParaRPr lang="zh-TW" altLang="en-US" dirty="0"/>
+            <a:endParaRPr lang="zh-TW" altLang="en-US"/>
           </a:p>
         </p:txBody>
       </p:sp>
@@ -8773,34 +8570,10 @@
           </a:p>
         </p:txBody>
       </p:sp>
-      <p:pic>
-        <p:nvPicPr>
-          <p:cNvPr id="4" name="圖片 3"/>
-          <p:cNvPicPr>
-            <a:picLocks noChangeAspect="1"/>
-          </p:cNvPicPr>
-          <p:nvPr/>
-        </p:nvPicPr>
-        <p:blipFill>
-          <a:blip r:embed="rId2"/>
-          <a:stretch>
-            <a:fillRect/>
-          </a:stretch>
-        </p:blipFill>
-        <p:spPr>
-          <a:xfrm>
-            <a:off x="2412224" y="1759175"/>
-            <a:ext cx="8720735" cy="4152047"/>
-          </a:xfrm>
-          <a:prstGeom prst="rect">
-            <a:avLst/>
-          </a:prstGeom>
-        </p:spPr>
-      </p:pic>
     </p:spTree>
     <p:extLst>
       <p:ext uri="{BB962C8B-B14F-4D97-AF65-F5344CB8AC3E}">
-        <p14:creationId xmlns:p14="http://schemas.microsoft.com/office/powerpoint/2010/main" val="721964522"/>
+        <p14:creationId xmlns:p14="http://schemas.microsoft.com/office/powerpoint/2010/main" val="2457498206"/>
       </p:ext>
     </p:extLst>
   </p:cSld>
@@ -8851,43 +8624,36 @@
           <a:p>
             <a:pPr algn="ctr"/>
             <a:r>
-              <a:rPr lang="en-US" altLang="zh-TW" dirty="0"/>
-              <a:t>TOTAL TIME FOR MEMBERS</a:t>
+              <a:rPr lang="en-US" altLang="zh-TW" dirty="0" smtClean="0"/>
+              <a:t>ALL UNIT TESTS</a:t>
             </a:r>
             <a:endParaRPr lang="zh-TW" altLang="en-US" dirty="0"/>
           </a:p>
         </p:txBody>
       </p:sp>
-      <p:pic>
-        <p:nvPicPr>
-          <p:cNvPr id="4" name="內容版面配置區 3"/>
-          <p:cNvPicPr>
-            <a:picLocks noGrp="1" noChangeAspect="1"/>
-          </p:cNvPicPr>
+      <p:sp>
+        <p:nvSpPr>
+          <p:cNvPr id="3" name="內容版面配置區 2"/>
+          <p:cNvSpPr>
+            <a:spLocks noGrp="1"/>
+          </p:cNvSpPr>
           <p:nvPr>
             <p:ph idx="1"/>
           </p:nvPr>
-        </p:nvPicPr>
-        <p:blipFill>
-          <a:blip r:embed="rId2"/>
-          <a:stretch>
-            <a:fillRect/>
-          </a:stretch>
-        </p:blipFill>
-        <p:spPr>
-          <a:xfrm>
-            <a:off x="2592925" y="1905000"/>
-            <a:ext cx="8544629" cy="4549737"/>
-          </a:xfrm>
-          <a:prstGeom prst="rect">
-            <a:avLst/>
-          </a:prstGeom>
-        </p:spPr>
-      </p:pic>
+        </p:nvSpPr>
+        <p:spPr/>
+        <p:txBody>
+          <a:bodyPr/>
+          <a:lstStyle/>
+          <a:p>
+            <a:endParaRPr lang="zh-TW" altLang="en-US" dirty="0"/>
+          </a:p>
+        </p:txBody>
+      </p:sp>
     </p:spTree>
     <p:extLst>
       <p:ext uri="{BB962C8B-B14F-4D97-AF65-F5344CB8AC3E}">
-        <p14:creationId xmlns:p14="http://schemas.microsoft.com/office/powerpoint/2010/main" val="95231269"/>
+        <p14:creationId xmlns:p14="http://schemas.microsoft.com/office/powerpoint/2010/main" val="93982817"/>
       </p:ext>
     </p:extLst>
   </p:cSld>

--- a/document/OOAD_Final_demo.pptx
+++ b/document/OOAD_Final_demo.pptx
@@ -13,8 +13,12 @@
     <p:sldId id="280" r:id="rId7"/>
     <p:sldId id="282" r:id="rId8"/>
     <p:sldId id="308" r:id="rId9"/>
-    <p:sldId id="284" r:id="rId10"/>
-    <p:sldId id="307" r:id="rId11"/>
+    <p:sldId id="309" r:id="rId10"/>
+    <p:sldId id="310" r:id="rId11"/>
+    <p:sldId id="284" r:id="rId12"/>
+    <p:sldId id="311" r:id="rId13"/>
+    <p:sldId id="312" r:id="rId14"/>
+    <p:sldId id="307" r:id="rId15"/>
   </p:sldIdLst>
   <p:sldSz cx="12192000" cy="6858000"/>
   <p:notesSz cx="6858000" cy="9144000"/>
@@ -309,7 +313,7 @@
           <a:p>
             <a:fld id="{28DAA045-4540-44C0-BB87-F5B0427377A2}" type="datetimeFigureOut">
               <a:rPr lang="zh-TW" altLang="en-US" smtClean="0"/>
-              <a:t>2017/6/17</a:t>
+              <a:t>2017/6/18</a:t>
             </a:fld>
             <a:endParaRPr lang="zh-TW" altLang="en-US"/>
           </a:p>
@@ -647,7 +651,7 @@
           <a:p>
             <a:fld id="{28DAA045-4540-44C0-BB87-F5B0427377A2}" type="datetimeFigureOut">
               <a:rPr lang="zh-TW" altLang="en-US" smtClean="0"/>
-              <a:t>2017/6/17</a:t>
+              <a:t>2017/6/18</a:t>
             </a:fld>
             <a:endParaRPr lang="zh-TW" altLang="en-US"/>
           </a:p>
@@ -1048,7 +1052,7 @@
           <a:p>
             <a:fld id="{28DAA045-4540-44C0-BB87-F5B0427377A2}" type="datetimeFigureOut">
               <a:rPr lang="zh-TW" altLang="en-US" smtClean="0"/>
-              <a:t>2017/6/17</a:t>
+              <a:t>2017/6/18</a:t>
             </a:fld>
             <a:endParaRPr lang="zh-TW" altLang="en-US"/>
           </a:p>
@@ -1384,7 +1388,7 @@
           <a:p>
             <a:fld id="{28DAA045-4540-44C0-BB87-F5B0427377A2}" type="datetimeFigureOut">
               <a:rPr lang="zh-TW" altLang="en-US" smtClean="0"/>
-              <a:t>2017/6/17</a:t>
+              <a:t>2017/6/18</a:t>
             </a:fld>
             <a:endParaRPr lang="zh-TW" altLang="en-US"/>
           </a:p>
@@ -1704,7 +1708,7 @@
           <a:p>
             <a:fld id="{28DAA045-4540-44C0-BB87-F5B0427377A2}" type="datetimeFigureOut">
               <a:rPr lang="zh-TW" altLang="en-US" smtClean="0"/>
-              <a:t>2017/6/17</a:t>
+              <a:t>2017/6/18</a:t>
             </a:fld>
             <a:endParaRPr lang="zh-TW" altLang="en-US"/>
           </a:p>
@@ -2100,7 +2104,7 @@
           <a:p>
             <a:fld id="{28DAA045-4540-44C0-BB87-F5B0427377A2}" type="datetimeFigureOut">
               <a:rPr lang="zh-TW" altLang="en-US" smtClean="0"/>
-              <a:t>2017/6/17</a:t>
+              <a:t>2017/6/18</a:t>
             </a:fld>
             <a:endParaRPr lang="zh-TW" altLang="en-US"/>
           </a:p>
@@ -2357,7 +2361,7 @@
           <a:p>
             <a:fld id="{28DAA045-4540-44C0-BB87-F5B0427377A2}" type="datetimeFigureOut">
               <a:rPr lang="zh-TW" altLang="en-US" smtClean="0"/>
-              <a:t>2017/6/17</a:t>
+              <a:t>2017/6/18</a:t>
             </a:fld>
             <a:endParaRPr lang="zh-TW" altLang="en-US"/>
           </a:p>
@@ -2619,7 +2623,7 @@
           <a:p>
             <a:fld id="{28DAA045-4540-44C0-BB87-F5B0427377A2}" type="datetimeFigureOut">
               <a:rPr lang="zh-TW" altLang="en-US" smtClean="0"/>
-              <a:t>2017/6/17</a:t>
+              <a:t>2017/6/18</a:t>
             </a:fld>
             <a:endParaRPr lang="zh-TW" altLang="en-US"/>
           </a:p>
@@ -2881,7 +2885,7 @@
           <a:p>
             <a:fld id="{28DAA045-4540-44C0-BB87-F5B0427377A2}" type="datetimeFigureOut">
               <a:rPr lang="zh-TW" altLang="en-US" smtClean="0"/>
-              <a:t>2017/6/17</a:t>
+              <a:t>2017/6/18</a:t>
             </a:fld>
             <a:endParaRPr lang="zh-TW" altLang="en-US"/>
           </a:p>
@@ -3210,7 +3214,7 @@
           <a:p>
             <a:fld id="{28DAA045-4540-44C0-BB87-F5B0427377A2}" type="datetimeFigureOut">
               <a:rPr lang="zh-TW" altLang="en-US" smtClean="0"/>
-              <a:t>2017/6/17</a:t>
+              <a:t>2017/6/18</a:t>
             </a:fld>
             <a:endParaRPr lang="zh-TW" altLang="en-US"/>
           </a:p>
@@ -3533,7 +3537,7 @@
           <a:p>
             <a:fld id="{28DAA045-4540-44C0-BB87-F5B0427377A2}" type="datetimeFigureOut">
               <a:rPr lang="zh-TW" altLang="en-US" smtClean="0"/>
-              <a:t>2017/6/17</a:t>
+              <a:t>2017/6/18</a:t>
             </a:fld>
             <a:endParaRPr lang="zh-TW" altLang="en-US"/>
           </a:p>
@@ -3990,7 +3994,7 @@
           <a:p>
             <a:fld id="{28DAA045-4540-44C0-BB87-F5B0427377A2}" type="datetimeFigureOut">
               <a:rPr lang="zh-TW" altLang="en-US" smtClean="0"/>
-              <a:t>2017/6/17</a:t>
+              <a:t>2017/6/18</a:t>
             </a:fld>
             <a:endParaRPr lang="zh-TW" altLang="en-US"/>
           </a:p>
@@ -4195,7 +4199,7 @@
           <a:p>
             <a:fld id="{28DAA045-4540-44C0-BB87-F5B0427377A2}" type="datetimeFigureOut">
               <a:rPr lang="zh-TW" altLang="en-US" smtClean="0"/>
-              <a:t>2017/6/17</a:t>
+              <a:t>2017/6/18</a:t>
             </a:fld>
             <a:endParaRPr lang="zh-TW" altLang="en-US"/>
           </a:p>
@@ -4372,7 +4376,7 @@
           <a:p>
             <a:fld id="{28DAA045-4540-44C0-BB87-F5B0427377A2}" type="datetimeFigureOut">
               <a:rPr lang="zh-TW" altLang="en-US" smtClean="0"/>
-              <a:t>2017/6/17</a:t>
+              <a:t>2017/6/18</a:t>
             </a:fld>
             <a:endParaRPr lang="zh-TW" altLang="en-US"/>
           </a:p>
@@ -4705,7 +4709,7 @@
           <a:p>
             <a:fld id="{28DAA045-4540-44C0-BB87-F5B0427377A2}" type="datetimeFigureOut">
               <a:rPr lang="zh-TW" altLang="en-US" smtClean="0"/>
-              <a:t>2017/6/17</a:t>
+              <a:t>2017/6/18</a:t>
             </a:fld>
             <a:endParaRPr lang="zh-TW" altLang="en-US"/>
           </a:p>
@@ -5050,7 +5054,7 @@
           <a:p>
             <a:fld id="{28DAA045-4540-44C0-BB87-F5B0427377A2}" type="datetimeFigureOut">
               <a:rPr lang="zh-TW" altLang="en-US" smtClean="0"/>
-              <a:t>2017/6/17</a:t>
+              <a:t>2017/6/18</a:t>
             </a:fld>
             <a:endParaRPr lang="zh-TW" altLang="en-US"/>
           </a:p>
@@ -7167,7 +7171,7 @@
           <a:p>
             <a:fld id="{28DAA045-4540-44C0-BB87-F5B0427377A2}" type="datetimeFigureOut">
               <a:rPr lang="zh-TW" altLang="en-US" smtClean="0"/>
-              <a:t>2017/6/17</a:t>
+              <a:t>2017/6/18</a:t>
             </a:fld>
             <a:endParaRPr lang="zh-TW" altLang="en-US"/>
           </a:p>
@@ -7796,19 +7800,546 @@
           <a:chExt cx="0" cy="0"/>
         </a:xfrm>
       </p:grpSpPr>
-      <p:sp>
-        <p:nvSpPr>
-          <p:cNvPr id="2" name="標題 1"/>
-          <p:cNvSpPr>
-            <a:spLocks noGrp="1"/>
-          </p:cNvSpPr>
-          <p:nvPr>
-            <p:ph type="title"/>
-          </p:nvPr>
-        </p:nvSpPr>
+      <p:pic>
+        <p:nvPicPr>
+          <p:cNvPr id="4" name="圖片 3"/>
+          <p:cNvPicPr>
+            <a:picLocks noChangeAspect="1"/>
+          </p:cNvPicPr>
+          <p:nvPr/>
+        </p:nvPicPr>
+        <p:blipFill>
+          <a:blip r:embed="rId2"/>
+          <a:stretch>
+            <a:fillRect/>
+          </a:stretch>
+        </p:blipFill>
         <p:spPr>
           <a:xfrm>
-            <a:off x="2589212" y="2596601"/>
+            <a:off x="1531926" y="2520871"/>
+            <a:ext cx="10114205" cy="1676208"/>
+          </a:xfrm>
+          <a:prstGeom prst="rect">
+            <a:avLst/>
+          </a:prstGeom>
+        </p:spPr>
+      </p:pic>
+      <p:sp>
+        <p:nvSpPr>
+          <p:cNvPr id="7" name="標題 6"/>
+          <p:cNvSpPr>
+            <a:spLocks noGrp="1"/>
+          </p:cNvSpPr>
+          <p:nvPr>
+            <p:ph type="title"/>
+          </p:nvPr>
+        </p:nvSpPr>
+        <p:spPr/>
+        <p:txBody>
+          <a:bodyPr/>
+          <a:lstStyle/>
+          <a:p>
+            <a:endParaRPr lang="zh-TW" altLang="en-US"/>
+          </a:p>
+        </p:txBody>
+      </p:sp>
+      <p:sp>
+        <p:nvSpPr>
+          <p:cNvPr id="8" name="標題 1"/>
+          <p:cNvSpPr txBox="1">
+            <a:spLocks/>
+          </p:cNvSpPr>
+          <p:nvPr/>
+        </p:nvSpPr>
+        <p:spPr>
+          <a:xfrm>
+            <a:off x="1720089" y="565921"/>
+            <a:ext cx="10682500" cy="1280890"/>
+          </a:xfrm>
+          <a:prstGeom prst="rect">
+            <a:avLst/>
+          </a:prstGeom>
+        </p:spPr>
+        <p:txBody>
+          <a:bodyPr vert="horz" lIns="91440" tIns="45720" rIns="91440" bIns="45720" rtlCol="0" anchor="t">
+            <a:noAutofit/>
+          </a:bodyPr>
+          <a:lstStyle>
+            <a:lvl1pPr algn="l" defTabSz="457200" rtl="0" eaLnBrk="1" latinLnBrk="0" hangingPunct="1">
+              <a:spcBef>
+                <a:spcPct val="0"/>
+              </a:spcBef>
+              <a:buNone/>
+              <a:defRPr sz="3600" kern="1200">
+                <a:solidFill>
+                  <a:schemeClr val="tx1">
+                    <a:lumMod val="85000"/>
+                    <a:lumOff val="15000"/>
+                  </a:schemeClr>
+                </a:solidFill>
+                <a:latin typeface="+mj-lt"/>
+                <a:ea typeface="+mj-ea"/>
+                <a:cs typeface="+mj-cs"/>
+              </a:defRPr>
+            </a:lvl1pPr>
+            <a:lvl2pPr eaLnBrk="1" hangingPunct="1">
+              <a:defRPr>
+                <a:solidFill>
+                  <a:schemeClr val="tx2"/>
+                </a:solidFill>
+              </a:defRPr>
+            </a:lvl2pPr>
+            <a:lvl3pPr eaLnBrk="1" hangingPunct="1">
+              <a:defRPr>
+                <a:solidFill>
+                  <a:schemeClr val="tx2"/>
+                </a:solidFill>
+              </a:defRPr>
+            </a:lvl3pPr>
+            <a:lvl4pPr eaLnBrk="1" hangingPunct="1">
+              <a:defRPr>
+                <a:solidFill>
+                  <a:schemeClr val="tx2"/>
+                </a:solidFill>
+              </a:defRPr>
+            </a:lvl4pPr>
+            <a:lvl5pPr eaLnBrk="1" hangingPunct="1">
+              <a:defRPr>
+                <a:solidFill>
+                  <a:schemeClr val="tx2"/>
+                </a:solidFill>
+              </a:defRPr>
+            </a:lvl5pPr>
+            <a:lvl6pPr eaLnBrk="1" hangingPunct="1">
+              <a:defRPr>
+                <a:solidFill>
+                  <a:schemeClr val="tx2"/>
+                </a:solidFill>
+              </a:defRPr>
+            </a:lvl6pPr>
+            <a:lvl7pPr eaLnBrk="1" hangingPunct="1">
+              <a:defRPr>
+                <a:solidFill>
+                  <a:schemeClr val="tx2"/>
+                </a:solidFill>
+              </a:defRPr>
+            </a:lvl7pPr>
+            <a:lvl8pPr eaLnBrk="1" hangingPunct="1">
+              <a:defRPr>
+                <a:solidFill>
+                  <a:schemeClr val="tx2"/>
+                </a:solidFill>
+              </a:defRPr>
+            </a:lvl8pPr>
+            <a:lvl9pPr eaLnBrk="1" hangingPunct="1">
+              <a:defRPr>
+                <a:solidFill>
+                  <a:schemeClr val="tx2"/>
+                </a:solidFill>
+              </a:defRPr>
+            </a:lvl9pPr>
+          </a:lstStyle>
+          <a:p>
+            <a:r>
+              <a:rPr lang="en-US" altLang="zh-TW" sz="4000" smtClean="0"/>
+              <a:t>Source code of significant functionality</a:t>
+            </a:r>
+            <a:endParaRPr lang="zh-TW" altLang="en-US" sz="4000" dirty="0"/>
+          </a:p>
+        </p:txBody>
+      </p:sp>
+      <p:sp>
+        <p:nvSpPr>
+          <p:cNvPr id="9" name="文字方塊 8"/>
+          <p:cNvSpPr txBox="1"/>
+          <p:nvPr/>
+        </p:nvSpPr>
+        <p:spPr>
+          <a:xfrm>
+            <a:off x="1521228" y="1720334"/>
+            <a:ext cx="2942707" cy="954107"/>
+          </a:xfrm>
+          <a:prstGeom prst="rect">
+            <a:avLst/>
+          </a:prstGeom>
+          <a:noFill/>
+        </p:spPr>
+        <p:txBody>
+          <a:bodyPr wrap="square" rtlCol="0">
+            <a:spAutoFit/>
+          </a:bodyPr>
+          <a:lstStyle/>
+          <a:p>
+            <a:r>
+              <a:rPr lang="en-US" altLang="zh-TW" sz="2800" smtClean="0"/>
+              <a:t>ProjectManager</a:t>
+            </a:r>
+            <a:endParaRPr lang="zh-TW" altLang="en-US" sz="2800" dirty="0"/>
+          </a:p>
+        </p:txBody>
+      </p:sp>
+    </p:spTree>
+    <p:extLst>
+      <p:ext uri="{BB962C8B-B14F-4D97-AF65-F5344CB8AC3E}">
+        <p14:creationId xmlns:p14="http://schemas.microsoft.com/office/powerpoint/2010/main" val="679214384"/>
+      </p:ext>
+    </p:extLst>
+  </p:cSld>
+  <p:clrMapOvr>
+    <a:masterClrMapping/>
+  </p:clrMapOvr>
+  <p:timing>
+    <p:tnLst>
+      <p:par>
+        <p:cTn id="1" dur="indefinite" restart="never" nodeType="tmRoot"/>
+      </p:par>
+    </p:tnLst>
+  </p:timing>
+</p:sld>
+</file>
+
+<file path=ppt/slides/slide11.xml><?xml version="1.0" encoding="utf-8"?>
+<p:sld xmlns:a="http://schemas.openxmlformats.org/drawingml/2006/main" xmlns:r="http://schemas.openxmlformats.org/officeDocument/2006/relationships" xmlns:p="http://schemas.openxmlformats.org/presentationml/2006/main">
+  <p:cSld>
+    <p:spTree>
+      <p:nvGrpSpPr>
+        <p:cNvPr id="1" name=""/>
+        <p:cNvGrpSpPr/>
+        <p:nvPr/>
+      </p:nvGrpSpPr>
+      <p:grpSpPr>
+        <a:xfrm>
+          <a:off x="0" y="0"/>
+          <a:ext cx="0" cy="0"/>
+          <a:chOff x="0" y="0"/>
+          <a:chExt cx="0" cy="0"/>
+        </a:xfrm>
+      </p:grpSpPr>
+      <p:sp>
+        <p:nvSpPr>
+          <p:cNvPr id="2" name="標題 1"/>
+          <p:cNvSpPr>
+            <a:spLocks noGrp="1"/>
+          </p:cNvSpPr>
+          <p:nvPr>
+            <p:ph type="title"/>
+          </p:nvPr>
+        </p:nvSpPr>
+        <p:spPr>
+          <a:xfrm>
+            <a:off x="1678525" y="2868547"/>
+            <a:ext cx="8911687" cy="1280890"/>
+          </a:xfrm>
+        </p:spPr>
+        <p:txBody>
+          <a:bodyPr/>
+          <a:lstStyle/>
+          <a:p>
+            <a:pPr algn="ctr"/>
+            <a:r>
+              <a:rPr lang="en-US" altLang="zh-TW" dirty="0" smtClean="0"/>
+              <a:t>Demo for Unit Tests</a:t>
+            </a:r>
+            <a:endParaRPr lang="zh-TW" altLang="en-US" dirty="0"/>
+          </a:p>
+        </p:txBody>
+      </p:sp>
+    </p:spTree>
+    <p:extLst>
+      <p:ext uri="{BB962C8B-B14F-4D97-AF65-F5344CB8AC3E}">
+        <p14:creationId xmlns:p14="http://schemas.microsoft.com/office/powerpoint/2010/main" val="93982817"/>
+      </p:ext>
+    </p:extLst>
+  </p:cSld>
+  <p:clrMapOvr>
+    <a:masterClrMapping/>
+  </p:clrMapOvr>
+  <p:timing>
+    <p:tnLst>
+      <p:par>
+        <p:cTn id="1" dur="indefinite" restart="never" nodeType="tmRoot"/>
+      </p:par>
+    </p:tnLst>
+  </p:timing>
+</p:sld>
+</file>
+
+<file path=ppt/slides/slide12.xml><?xml version="1.0" encoding="utf-8"?>
+<p:sld xmlns:a="http://schemas.openxmlformats.org/drawingml/2006/main" xmlns:r="http://schemas.openxmlformats.org/officeDocument/2006/relationships" xmlns:p="http://schemas.openxmlformats.org/presentationml/2006/main">
+  <p:cSld>
+    <p:spTree>
+      <p:nvGrpSpPr>
+        <p:cNvPr id="1" name=""/>
+        <p:cNvGrpSpPr/>
+        <p:nvPr/>
+      </p:nvGrpSpPr>
+      <p:grpSpPr>
+        <a:xfrm>
+          <a:off x="0" y="0"/>
+          <a:ext cx="0" cy="0"/>
+          <a:chOff x="0" y="0"/>
+          <a:chExt cx="0" cy="0"/>
+        </a:xfrm>
+      </p:grpSpPr>
+      <p:sp>
+        <p:nvSpPr>
+          <p:cNvPr id="2" name="標題 1"/>
+          <p:cNvSpPr>
+            <a:spLocks noGrp="1"/>
+          </p:cNvSpPr>
+          <p:nvPr>
+            <p:ph type="title"/>
+          </p:nvPr>
+        </p:nvSpPr>
+        <p:spPr>
+          <a:xfrm>
+            <a:off x="2592925" y="624110"/>
+            <a:ext cx="8911687" cy="922057"/>
+          </a:xfrm>
+        </p:spPr>
+        <p:txBody>
+          <a:bodyPr/>
+          <a:lstStyle/>
+          <a:p>
+            <a:r>
+              <a:rPr lang="en-US" altLang="zh-TW" dirty="0" smtClean="0"/>
+              <a:t>Source </a:t>
+            </a:r>
+            <a:r>
+              <a:rPr lang="en-US" altLang="zh-TW" dirty="0"/>
+              <a:t>code of a significant test </a:t>
+            </a:r>
+            <a:r>
+              <a:rPr lang="en-US" altLang="zh-TW" dirty="0" smtClean="0"/>
+              <a:t>case</a:t>
+            </a:r>
+            <a:endParaRPr lang="zh-TW" altLang="en-US" dirty="0"/>
+          </a:p>
+        </p:txBody>
+      </p:sp>
+      <p:pic>
+        <p:nvPicPr>
+          <p:cNvPr id="5" name="圖片 4"/>
+          <p:cNvPicPr>
+            <a:picLocks noChangeAspect="1"/>
+          </p:cNvPicPr>
+          <p:nvPr/>
+        </p:nvPicPr>
+        <p:blipFill>
+          <a:blip r:embed="rId2"/>
+          <a:stretch>
+            <a:fillRect/>
+          </a:stretch>
+        </p:blipFill>
+        <p:spPr>
+          <a:xfrm>
+            <a:off x="241324" y="1936867"/>
+            <a:ext cx="5041874" cy="3403529"/>
+          </a:xfrm>
+          <a:prstGeom prst="rect">
+            <a:avLst/>
+          </a:prstGeom>
+        </p:spPr>
+      </p:pic>
+      <p:pic>
+        <p:nvPicPr>
+          <p:cNvPr id="6" name="圖片 5"/>
+          <p:cNvPicPr>
+            <a:picLocks noChangeAspect="1"/>
+          </p:cNvPicPr>
+          <p:nvPr/>
+        </p:nvPicPr>
+        <p:blipFill>
+          <a:blip r:embed="rId3"/>
+          <a:stretch>
+            <a:fillRect/>
+          </a:stretch>
+        </p:blipFill>
+        <p:spPr>
+          <a:xfrm>
+            <a:off x="5525829" y="1936866"/>
+            <a:ext cx="6666171" cy="3403529"/>
+          </a:xfrm>
+          <a:prstGeom prst="rect">
+            <a:avLst/>
+          </a:prstGeom>
+        </p:spPr>
+      </p:pic>
+      <p:sp>
+        <p:nvSpPr>
+          <p:cNvPr id="7" name="文字方塊 6"/>
+          <p:cNvSpPr txBox="1"/>
+          <p:nvPr/>
+        </p:nvSpPr>
+        <p:spPr>
+          <a:xfrm>
+            <a:off x="241324" y="1470952"/>
+            <a:ext cx="1995055" cy="369332"/>
+          </a:xfrm>
+          <a:prstGeom prst="rect">
+            <a:avLst/>
+          </a:prstGeom>
+          <a:noFill/>
+        </p:spPr>
+        <p:txBody>
+          <a:bodyPr wrap="square" rtlCol="0">
+            <a:spAutoFit/>
+          </a:bodyPr>
+          <a:lstStyle/>
+          <a:p>
+            <a:r>
+              <a:rPr lang="en-US" altLang="zh-TW" dirty="0" err="1" smtClean="0"/>
+              <a:t>TestManager</a:t>
+            </a:r>
+            <a:endParaRPr lang="zh-TW" altLang="en-US" dirty="0"/>
+          </a:p>
+        </p:txBody>
+      </p:sp>
+      <p:sp>
+        <p:nvSpPr>
+          <p:cNvPr id="9" name="矩形 8"/>
+          <p:cNvSpPr/>
+          <p:nvPr/>
+        </p:nvSpPr>
+        <p:spPr>
+          <a:xfrm>
+            <a:off x="5525829" y="1454327"/>
+            <a:ext cx="2007281" cy="369332"/>
+          </a:xfrm>
+          <a:prstGeom prst="rect">
+            <a:avLst/>
+          </a:prstGeom>
+        </p:spPr>
+        <p:txBody>
+          <a:bodyPr wrap="none">
+            <a:spAutoFit/>
+          </a:bodyPr>
+          <a:lstStyle/>
+          <a:p>
+            <a:r>
+              <a:rPr lang="en-US" altLang="zh-TW" dirty="0" err="1" smtClean="0"/>
+              <a:t>ProjectManager</a:t>
+            </a:r>
+            <a:endParaRPr lang="zh-TW" altLang="en-US" dirty="0"/>
+          </a:p>
+        </p:txBody>
+      </p:sp>
+    </p:spTree>
+    <p:extLst>
+      <p:ext uri="{BB962C8B-B14F-4D97-AF65-F5344CB8AC3E}">
+        <p14:creationId xmlns:p14="http://schemas.microsoft.com/office/powerpoint/2010/main" val="3495328834"/>
+      </p:ext>
+    </p:extLst>
+  </p:cSld>
+  <p:clrMapOvr>
+    <a:masterClrMapping/>
+  </p:clrMapOvr>
+  <p:timing>
+    <p:tnLst>
+      <p:par>
+        <p:cTn id="1" dur="indefinite" restart="never" nodeType="tmRoot"/>
+      </p:par>
+    </p:tnLst>
+  </p:timing>
+</p:sld>
+</file>
+
+<file path=ppt/slides/slide13.xml><?xml version="1.0" encoding="utf-8"?>
+<p:sld xmlns:a="http://schemas.openxmlformats.org/drawingml/2006/main" xmlns:r="http://schemas.openxmlformats.org/officeDocument/2006/relationships" xmlns:p="http://schemas.openxmlformats.org/presentationml/2006/main">
+  <p:cSld>
+    <p:spTree>
+      <p:nvGrpSpPr>
+        <p:cNvPr id="1" name=""/>
+        <p:cNvGrpSpPr/>
+        <p:nvPr/>
+      </p:nvGrpSpPr>
+      <p:grpSpPr>
+        <a:xfrm>
+          <a:off x="0" y="0"/>
+          <a:ext cx="0" cy="0"/>
+          <a:chOff x="0" y="0"/>
+          <a:chExt cx="0" cy="0"/>
+        </a:xfrm>
+      </p:grpSpPr>
+      <p:sp>
+        <p:nvSpPr>
+          <p:cNvPr id="4" name="標題 1"/>
+          <p:cNvSpPr>
+            <a:spLocks noGrp="1"/>
+          </p:cNvSpPr>
+          <p:nvPr>
+            <p:ph type="title"/>
+          </p:nvPr>
+        </p:nvSpPr>
+        <p:spPr>
+          <a:xfrm>
+            <a:off x="1678525" y="2868547"/>
+            <a:ext cx="8911687" cy="730864"/>
+          </a:xfrm>
+        </p:spPr>
+        <p:txBody>
+          <a:bodyPr/>
+          <a:lstStyle/>
+          <a:p>
+            <a:pPr algn="ctr"/>
+            <a:r>
+              <a:rPr lang="en-US" altLang="zh-TW" dirty="0"/>
+              <a:t>Lessons learned</a:t>
+            </a:r>
+            <a:endParaRPr lang="zh-TW" altLang="en-US" dirty="0"/>
+          </a:p>
+        </p:txBody>
+      </p:sp>
+    </p:spTree>
+    <p:extLst>
+      <p:ext uri="{BB962C8B-B14F-4D97-AF65-F5344CB8AC3E}">
+        <p14:creationId xmlns:p14="http://schemas.microsoft.com/office/powerpoint/2010/main" val="2843880177"/>
+      </p:ext>
+    </p:extLst>
+  </p:cSld>
+  <p:clrMapOvr>
+    <a:masterClrMapping/>
+  </p:clrMapOvr>
+  <p:timing>
+    <p:tnLst>
+      <p:par>
+        <p:cTn id="1" dur="indefinite" restart="never" nodeType="tmRoot"/>
+      </p:par>
+    </p:tnLst>
+  </p:timing>
+</p:sld>
+</file>
+
+<file path=ppt/slides/slide14.xml><?xml version="1.0" encoding="utf-8"?>
+<p:sld xmlns:a="http://schemas.openxmlformats.org/drawingml/2006/main" xmlns:r="http://schemas.openxmlformats.org/officeDocument/2006/relationships" xmlns:p="http://schemas.openxmlformats.org/presentationml/2006/main">
+  <p:cSld>
+    <p:spTree>
+      <p:nvGrpSpPr>
+        <p:cNvPr id="1" name=""/>
+        <p:cNvGrpSpPr/>
+        <p:nvPr/>
+      </p:nvGrpSpPr>
+      <p:grpSpPr>
+        <a:xfrm>
+          <a:off x="0" y="0"/>
+          <a:ext cx="0" cy="0"/>
+          <a:chOff x="0" y="0"/>
+          <a:chExt cx="0" cy="0"/>
+        </a:xfrm>
+      </p:grpSpPr>
+      <p:sp>
+        <p:nvSpPr>
+          <p:cNvPr id="2" name="標題 1"/>
+          <p:cNvSpPr>
+            <a:spLocks noGrp="1"/>
+          </p:cNvSpPr>
+          <p:nvPr>
+            <p:ph type="title"/>
+          </p:nvPr>
+        </p:nvSpPr>
+        <p:spPr>
+          <a:xfrm>
+            <a:off x="1774565" y="2696354"/>
             <a:ext cx="8911687" cy="1280890"/>
           </a:xfrm>
         </p:spPr>
@@ -7821,7 +8352,11 @@
             <a:pPr algn="ctr"/>
             <a:r>
               <a:rPr lang="en-US" altLang="zh-TW" sz="6600" dirty="0" smtClean="0"/>
-              <a:t>Thanks for listening!</a:t>
+              <a:t>Thanks for </a:t>
+            </a:r>
+            <a:r>
+              <a:rPr lang="en-US" altLang="zh-TW" sz="6600" dirty="0" smtClean="0"/>
+              <a:t>listening</a:t>
             </a:r>
             <a:endParaRPr lang="zh-TW" altLang="en-US" sz="6600" dirty="0"/>
           </a:p>
@@ -8279,15 +8814,32 @@
           </a:p>
         </p:txBody>
       </p:sp>
+      <p:sp>
+        <p:nvSpPr>
+          <p:cNvPr id="3" name="內容版面配置區 2"/>
+          <p:cNvSpPr>
+            <a:spLocks noGrp="1"/>
+          </p:cNvSpPr>
+          <p:nvPr>
+            <p:ph idx="1"/>
+          </p:nvPr>
+        </p:nvSpPr>
+        <p:spPr/>
+        <p:txBody>
+          <a:bodyPr/>
+          <a:lstStyle/>
+          <a:p>
+            <a:endParaRPr lang="zh-TW" altLang="en-US"/>
+          </a:p>
+        </p:txBody>
+      </p:sp>
       <p:pic>
         <p:nvPicPr>
-          <p:cNvPr id="4" name="內容版面配置區 3"/>
+          <p:cNvPr id="5" name="圖片 4"/>
           <p:cNvPicPr>
-            <a:picLocks noGrp="1" noChangeAspect="1"/>
+            <a:picLocks noChangeAspect="1"/>
           </p:cNvPicPr>
-          <p:nvPr>
-            <p:ph idx="1"/>
-          </p:nvPr>
+          <p:nvPr/>
         </p:nvPicPr>
         <p:blipFill>
           <a:blip r:embed="rId2"/>
@@ -8297,8 +8849,8 @@
         </p:blipFill>
         <p:spPr>
           <a:xfrm>
-            <a:off x="1806247" y="1400502"/>
-            <a:ext cx="7826483" cy="5227151"/>
+            <a:off x="2077657" y="1198601"/>
+            <a:ext cx="8428571" cy="5647619"/>
           </a:xfrm>
           <a:prstGeom prst="rect">
             <a:avLst/>
@@ -8352,16 +8904,23 @@
             <p:ph type="title"/>
           </p:nvPr>
         </p:nvSpPr>
-        <p:spPr/>
-        <p:txBody>
-          <a:bodyPr/>
+        <p:spPr>
+          <a:xfrm>
+            <a:off x="1620336" y="565921"/>
+            <a:ext cx="8911687" cy="1280890"/>
+          </a:xfrm>
+        </p:spPr>
+        <p:txBody>
+          <a:bodyPr>
+            <a:normAutofit/>
+          </a:bodyPr>
           <a:lstStyle/>
           <a:p>
             <a:r>
-              <a:rPr lang="en-US" altLang="zh-TW" dirty="0"/>
+              <a:rPr lang="en-US" altLang="zh-TW" sz="4000" dirty="0"/>
               <a:t>LOC of test code</a:t>
             </a:r>
-            <a:endParaRPr lang="zh-TW" altLang="en-US" dirty="0"/>
+            <a:endParaRPr lang="zh-TW" altLang="en-US" sz="4000" dirty="0"/>
           </a:p>
         </p:txBody>
       </p:sp>
@@ -8375,15 +8934,88 @@
             <p:ph idx="1"/>
           </p:nvPr>
         </p:nvSpPr>
-        <p:spPr/>
-        <p:txBody>
-          <a:bodyPr/>
+        <p:spPr>
+          <a:xfrm>
+            <a:off x="1895017" y="1680598"/>
+            <a:ext cx="8915400" cy="3777622"/>
+          </a:xfrm>
+        </p:spPr>
+        <p:txBody>
+          <a:bodyPr>
+            <a:normAutofit/>
+          </a:bodyPr>
           <a:lstStyle/>
           <a:p>
-            <a:endParaRPr lang="zh-TW" altLang="en-US" dirty="0"/>
-          </a:p>
-        </p:txBody>
-      </p:sp>
+            <a:r>
+              <a:rPr lang="en-US" altLang="zh-TW" sz="2800" dirty="0" smtClean="0"/>
+              <a:t>Total Unit Test : 41</a:t>
+            </a:r>
+          </a:p>
+          <a:p>
+            <a:r>
+              <a:rPr lang="en-US" altLang="zh-TW" sz="2800" dirty="0" smtClean="0"/>
+              <a:t>LOC of test code:773</a:t>
+            </a:r>
+          </a:p>
+          <a:p>
+            <a:r>
+              <a:rPr lang="en-US" altLang="zh-TW" sz="2800" dirty="0" err="1" smtClean="0"/>
+              <a:t>Test:All</a:t>
+            </a:r>
+            <a:r>
+              <a:rPr lang="en-US" altLang="zh-TW" sz="2800" dirty="0" smtClean="0"/>
+              <a:t> pass</a:t>
+            </a:r>
+            <a:endParaRPr lang="zh-TW" altLang="en-US" sz="2800" dirty="0"/>
+          </a:p>
+        </p:txBody>
+      </p:sp>
+      <p:pic>
+        <p:nvPicPr>
+          <p:cNvPr id="5" name="圖片 4"/>
+          <p:cNvPicPr/>
+          <p:nvPr/>
+        </p:nvPicPr>
+        <p:blipFill>
+          <a:blip r:embed="rId2"/>
+          <a:stretch>
+            <a:fillRect/>
+          </a:stretch>
+        </p:blipFill>
+        <p:spPr>
+          <a:xfrm>
+            <a:off x="7577797" y="5833980"/>
+            <a:ext cx="3776935" cy="1006344"/>
+          </a:xfrm>
+          <a:prstGeom prst="rect">
+            <a:avLst/>
+          </a:prstGeom>
+        </p:spPr>
+      </p:pic>
+      <p:pic>
+        <p:nvPicPr>
+          <p:cNvPr id="6" name="圖片 5"/>
+          <p:cNvPicPr>
+            <a:picLocks noChangeAspect="1"/>
+          </p:cNvPicPr>
+          <p:nvPr/>
+        </p:nvPicPr>
+        <p:blipFill>
+          <a:blip r:embed="rId3"/>
+          <a:stretch>
+            <a:fillRect/>
+          </a:stretch>
+        </p:blipFill>
+        <p:spPr>
+          <a:xfrm>
+            <a:off x="7577796" y="718477"/>
+            <a:ext cx="3776935" cy="5115503"/>
+          </a:xfrm>
+          <a:prstGeom prst="rect">
+            <a:avLst/>
+          </a:prstGeom>
+        </p:spPr>
+      </p:pic>
     </p:spTree>
     <p:extLst>
       <p:ext uri="{BB962C8B-B14F-4D97-AF65-F5344CB8AC3E}">
@@ -8431,17 +9063,24 @@
             <p:ph type="title"/>
           </p:nvPr>
         </p:nvSpPr>
-        <p:spPr/>
-        <p:txBody>
-          <a:bodyPr/>
+        <p:spPr>
+          <a:xfrm>
+            <a:off x="357030" y="560663"/>
+            <a:ext cx="8911687" cy="1280890"/>
+          </a:xfrm>
+        </p:spPr>
+        <p:txBody>
+          <a:bodyPr>
+            <a:normAutofit/>
+          </a:bodyPr>
           <a:lstStyle/>
           <a:p>
             <a:pPr algn="ctr"/>
             <a:r>
-              <a:rPr lang="en-US" altLang="zh-TW" dirty="0" smtClean="0"/>
+              <a:rPr lang="en-US" altLang="zh-TW" sz="4000" dirty="0" smtClean="0"/>
               <a:t>TOTAL TIME FOR MEMBERS</a:t>
             </a:r>
-            <a:endParaRPr lang="zh-TW" altLang="en-US" dirty="0"/>
+            <a:endParaRPr lang="zh-TW" altLang="en-US" sz="4000" dirty="0"/>
           </a:p>
         </p:txBody>
       </p:sp>
@@ -8473,7 +9112,7 @@
       </p:pic>
       <p:pic>
         <p:nvPicPr>
-          <p:cNvPr id="7" name="圖片 6"/>
+          <p:cNvPr id="3" name="圖片 2"/>
           <p:cNvPicPr>
             <a:picLocks noChangeAspect="1"/>
           </p:cNvPicPr>
@@ -8487,14 +9126,68 @@
         </p:blipFill>
         <p:spPr>
           <a:xfrm>
-            <a:off x="4828819" y="1321676"/>
-            <a:ext cx="4195707" cy="5325800"/>
+            <a:off x="4828819" y="1363304"/>
+            <a:ext cx="3874606" cy="5299507"/>
           </a:xfrm>
           <a:prstGeom prst="rect">
             <a:avLst/>
           </a:prstGeom>
         </p:spPr>
       </p:pic>
+      <p:sp>
+        <p:nvSpPr>
+          <p:cNvPr id="4" name="文字方塊 3"/>
+          <p:cNvSpPr txBox="1"/>
+          <p:nvPr/>
+        </p:nvSpPr>
+        <p:spPr>
+          <a:xfrm>
+            <a:off x="8803178" y="3306741"/>
+            <a:ext cx="3233651" cy="646331"/>
+          </a:xfrm>
+          <a:prstGeom prst="rect">
+            <a:avLst/>
+          </a:prstGeom>
+          <a:noFill/>
+        </p:spPr>
+        <p:txBody>
+          <a:bodyPr wrap="square" rtlCol="0">
+            <a:spAutoFit/>
+          </a:bodyPr>
+          <a:lstStyle/>
+          <a:p>
+            <a:pPr algn="ctr"/>
+            <a:r>
+              <a:rPr lang="en-US" altLang="zh-TW" b="1" dirty="0" smtClean="0">
+                <a:solidFill>
+                  <a:srgbClr val="FF0000"/>
+                </a:solidFill>
+              </a:rPr>
+              <a:t>Total time for whole project:</a:t>
+            </a:r>
+            <a:br>
+              <a:rPr lang="en-US" altLang="zh-TW" b="1" dirty="0" smtClean="0">
+                <a:solidFill>
+                  <a:srgbClr val="FF0000"/>
+                </a:solidFill>
+              </a:rPr>
+            </a:br>
+            <a:r>
+              <a:rPr lang="en-US" altLang="zh-TW" b="1" dirty="0" smtClean="0">
+                <a:solidFill>
+                  <a:srgbClr val="FF0000"/>
+                </a:solidFill>
+              </a:rPr>
+              <a:t>57.7hr</a:t>
+            </a:r>
+            <a:endParaRPr lang="zh-TW" altLang="en-US" b="1" dirty="0">
+              <a:solidFill>
+                <a:srgbClr val="FF0000"/>
+              </a:solidFill>
+            </a:endParaRPr>
+          </a:p>
+        </p:txBody>
+      </p:sp>
     </p:spTree>
     <p:extLst>
       <p:ext uri="{BB962C8B-B14F-4D97-AF65-F5344CB8AC3E}">
@@ -8542,34 +9235,54 @@
             <p:ph type="title"/>
           </p:nvPr>
         </p:nvSpPr>
-        <p:spPr/>
+        <p:spPr>
+          <a:xfrm>
+            <a:off x="1620336" y="657361"/>
+            <a:ext cx="8911687" cy="1280890"/>
+          </a:xfrm>
+        </p:spPr>
         <p:txBody>
           <a:bodyPr/>
           <a:lstStyle/>
           <a:p>
-            <a:endParaRPr lang="zh-TW" altLang="en-US"/>
-          </a:p>
-        </p:txBody>
-      </p:sp>
-      <p:sp>
-        <p:nvSpPr>
-          <p:cNvPr id="3" name="內容版面配置區 2"/>
-          <p:cNvSpPr>
-            <a:spLocks noGrp="1"/>
-          </p:cNvSpPr>
-          <p:nvPr>
-            <p:ph idx="1"/>
-          </p:nvPr>
-        </p:nvSpPr>
-        <p:spPr/>
-        <p:txBody>
-          <a:bodyPr/>
-          <a:lstStyle/>
-          <a:p>
-            <a:endParaRPr lang="zh-TW" altLang="en-US"/>
-          </a:p>
-        </p:txBody>
-      </p:sp>
+            <a:r>
+              <a:rPr lang="en-US" altLang="zh-TW" dirty="0" smtClean="0"/>
+              <a:t>Design Class Diagram</a:t>
+            </a:r>
+            <a:endParaRPr lang="zh-TW" altLang="en-US" dirty="0"/>
+          </a:p>
+        </p:txBody>
+      </p:sp>
+      <p:pic>
+        <p:nvPicPr>
+          <p:cNvPr id="9" name="圖片 8"/>
+          <p:cNvPicPr>
+            <a:picLocks noChangeAspect="1"/>
+          </p:cNvPicPr>
+          <p:nvPr/>
+        </p:nvPicPr>
+        <p:blipFill>
+          <a:blip r:embed="rId2" cstate="print">
+            <a:extLst>
+              <a:ext uri="{28A0092B-C50C-407E-A947-70E740481C1C}">
+                <a14:useLocalDpi xmlns:a14="http://schemas.microsoft.com/office/drawing/2010/main" val="0"/>
+              </a:ext>
+            </a:extLst>
+          </a:blip>
+          <a:stretch>
+            <a:fillRect/>
+          </a:stretch>
+        </p:blipFill>
+        <p:spPr>
+          <a:xfrm>
+            <a:off x="678082" y="0"/>
+            <a:ext cx="11118468" cy="6858000"/>
+          </a:xfrm>
+          <a:prstGeom prst="rect">
+            <a:avLst/>
+          </a:prstGeom>
+        </p:spPr>
+      </p:pic>
     </p:spTree>
     <p:extLst>
       <p:ext uri="{BB962C8B-B14F-4D97-AF65-F5344CB8AC3E}">
@@ -8583,7 +9296,75 @@
   <p:timing>
     <p:tnLst>
       <p:par>
-        <p:cTn id="1" dur="indefinite" restart="never" nodeType="tmRoot"/>
+        <p:cTn id="1" dur="indefinite" restart="never" nodeType="tmRoot">
+          <p:childTnLst>
+            <p:seq concurrent="1" nextAc="seek">
+              <p:cTn id="2" dur="indefinite" nodeType="mainSeq">
+                <p:childTnLst>
+                  <p:par>
+                    <p:cTn id="3" fill="hold">
+                      <p:stCondLst>
+                        <p:cond delay="indefinite"/>
+                      </p:stCondLst>
+                      <p:childTnLst>
+                        <p:par>
+                          <p:cTn id="4" fill="hold">
+                            <p:stCondLst>
+                              <p:cond delay="0"/>
+                            </p:stCondLst>
+                            <p:childTnLst>
+                              <p:par>
+                                <p:cTn id="5" presetID="1" presetClass="entr" presetSubtype="0" fill="hold" nodeType="clickEffect">
+                                  <p:stCondLst>
+                                    <p:cond delay="0"/>
+                                  </p:stCondLst>
+                                  <p:childTnLst>
+                                    <p:set>
+                                      <p:cBhvr>
+                                        <p:cTn id="6" dur="1" fill="hold">
+                                          <p:stCondLst>
+                                            <p:cond delay="0"/>
+                                          </p:stCondLst>
+                                        </p:cTn>
+                                        <p:tgtEl>
+                                          <p:spTgt spid="9"/>
+                                        </p:tgtEl>
+                                        <p:attrNameLst>
+                                          <p:attrName>style.visibility</p:attrName>
+                                        </p:attrNameLst>
+                                      </p:cBhvr>
+                                      <p:to>
+                                        <p:strVal val="visible"/>
+                                      </p:to>
+                                    </p:set>
+                                  </p:childTnLst>
+                                </p:cTn>
+                              </p:par>
+                            </p:childTnLst>
+                          </p:cTn>
+                        </p:par>
+                      </p:childTnLst>
+                    </p:cTn>
+                  </p:par>
+                </p:childTnLst>
+              </p:cTn>
+              <p:prevCondLst>
+                <p:cond evt="onPrev" delay="0">
+                  <p:tgtEl>
+                    <p:sldTgt/>
+                  </p:tgtEl>
+                </p:cond>
+              </p:prevCondLst>
+              <p:nextCondLst>
+                <p:cond evt="onNext" delay="0">
+                  <p:tgtEl>
+                    <p:sldTgt/>
+                  </p:tgtEl>
+                </p:cond>
+              </p:nextCondLst>
+            </p:seq>
+          </p:childTnLst>
+        </p:cTn>
       </p:par>
     </p:tnLst>
   </p:timing>
@@ -8617,43 +9398,84 @@
             <p:ph type="title"/>
           </p:nvPr>
         </p:nvSpPr>
-        <p:spPr/>
-        <p:txBody>
-          <a:bodyPr/>
+        <p:spPr>
+          <a:xfrm>
+            <a:off x="1720089" y="565921"/>
+            <a:ext cx="10682500" cy="1280890"/>
+          </a:xfrm>
+        </p:spPr>
+        <p:txBody>
+          <a:bodyPr>
+            <a:noAutofit/>
+          </a:bodyPr>
           <a:lstStyle/>
           <a:p>
-            <a:pPr algn="ctr"/>
-            <a:r>
-              <a:rPr lang="en-US" altLang="zh-TW" dirty="0" smtClean="0"/>
-              <a:t>ALL UNIT TESTS</a:t>
-            </a:r>
-            <a:endParaRPr lang="zh-TW" altLang="en-US" dirty="0"/>
-          </a:p>
-        </p:txBody>
-      </p:sp>
-      <p:sp>
-        <p:nvSpPr>
-          <p:cNvPr id="3" name="內容版面配置區 2"/>
-          <p:cNvSpPr>
-            <a:spLocks noGrp="1"/>
-          </p:cNvSpPr>
-          <p:nvPr>
-            <p:ph idx="1"/>
-          </p:nvPr>
-        </p:nvSpPr>
-        <p:spPr/>
-        <p:txBody>
-          <a:bodyPr/>
+            <a:r>
+              <a:rPr lang="en-US" altLang="zh-TW" sz="4000" dirty="0" smtClean="0"/>
+              <a:t>Source code of significant functionality</a:t>
+            </a:r>
+            <a:endParaRPr lang="zh-TW" altLang="en-US" sz="4000" dirty="0"/>
+          </a:p>
+        </p:txBody>
+      </p:sp>
+      <p:pic>
+        <p:nvPicPr>
+          <p:cNvPr id="4" name="圖片 3"/>
+          <p:cNvPicPr>
+            <a:picLocks noChangeAspect="1"/>
+          </p:cNvPicPr>
+          <p:nvPr/>
+        </p:nvPicPr>
+        <p:blipFill>
+          <a:blip r:embed="rId2"/>
+          <a:stretch>
+            <a:fillRect/>
+          </a:stretch>
+        </p:blipFill>
+        <p:spPr>
+          <a:xfrm>
+            <a:off x="2299489" y="2405477"/>
+            <a:ext cx="9205123" cy="3570893"/>
+          </a:xfrm>
+          <a:prstGeom prst="rect">
+            <a:avLst/>
+          </a:prstGeom>
+        </p:spPr>
+      </p:pic>
+      <p:sp>
+        <p:nvSpPr>
+          <p:cNvPr id="5" name="文字方塊 4"/>
+          <p:cNvSpPr txBox="1"/>
+          <p:nvPr/>
+        </p:nvSpPr>
+        <p:spPr>
+          <a:xfrm>
+            <a:off x="1521228" y="1720334"/>
+            <a:ext cx="2942707" cy="523220"/>
+          </a:xfrm>
+          <a:prstGeom prst="rect">
+            <a:avLst/>
+          </a:prstGeom>
+          <a:noFill/>
+        </p:spPr>
+        <p:txBody>
+          <a:bodyPr wrap="square" rtlCol="0">
+            <a:spAutoFit/>
+          </a:bodyPr>
           <a:lstStyle/>
           <a:p>
-            <a:endParaRPr lang="zh-TW" altLang="en-US" dirty="0"/>
+            <a:r>
+              <a:rPr lang="en-US" altLang="zh-TW" sz="2800" dirty="0" err="1" smtClean="0"/>
+              <a:t>TestManager</a:t>
+            </a:r>
+            <a:endParaRPr lang="zh-TW" altLang="en-US" sz="2800" dirty="0"/>
           </a:p>
         </p:txBody>
       </p:sp>
     </p:spTree>
     <p:extLst>
       <p:ext uri="{BB962C8B-B14F-4D97-AF65-F5344CB8AC3E}">
-        <p14:creationId xmlns:p14="http://schemas.microsoft.com/office/powerpoint/2010/main" val="93982817"/>
+        <p14:creationId xmlns:p14="http://schemas.microsoft.com/office/powerpoint/2010/main" val="679653510"/>
       </p:ext>
     </p:extLst>
   </p:cSld>

--- a/document/OOAD_Final_demo.pptx
+++ b/document/OOAD_Final_demo.pptx
@@ -9,16 +9,17 @@
     <p:sldId id="257" r:id="rId3"/>
     <p:sldId id="260" r:id="rId4"/>
     <p:sldId id="259" r:id="rId5"/>
-    <p:sldId id="279" r:id="rId6"/>
-    <p:sldId id="280" r:id="rId7"/>
-    <p:sldId id="282" r:id="rId8"/>
-    <p:sldId id="308" r:id="rId9"/>
-    <p:sldId id="309" r:id="rId10"/>
-    <p:sldId id="310" r:id="rId11"/>
-    <p:sldId id="284" r:id="rId12"/>
-    <p:sldId id="311" r:id="rId13"/>
-    <p:sldId id="312" r:id="rId14"/>
-    <p:sldId id="307" r:id="rId15"/>
+    <p:sldId id="313" r:id="rId6"/>
+    <p:sldId id="279" r:id="rId7"/>
+    <p:sldId id="280" r:id="rId8"/>
+    <p:sldId id="282" r:id="rId9"/>
+    <p:sldId id="308" r:id="rId10"/>
+    <p:sldId id="309" r:id="rId11"/>
+    <p:sldId id="310" r:id="rId12"/>
+    <p:sldId id="284" r:id="rId13"/>
+    <p:sldId id="311" r:id="rId14"/>
+    <p:sldId id="312" r:id="rId15"/>
+    <p:sldId id="307" r:id="rId16"/>
   </p:sldIdLst>
   <p:sldSz cx="12192000" cy="6858000"/>
   <p:notesSz cx="6858000" cy="9144000"/>
@@ -313,7 +314,7 @@
           <a:p>
             <a:fld id="{28DAA045-4540-44C0-BB87-F5B0427377A2}" type="datetimeFigureOut">
               <a:rPr lang="zh-TW" altLang="en-US" smtClean="0"/>
-              <a:t>2017/6/18</a:t>
+              <a:t>2017/6/19</a:t>
             </a:fld>
             <a:endParaRPr lang="zh-TW" altLang="en-US"/>
           </a:p>
@@ -651,7 +652,7 @@
           <a:p>
             <a:fld id="{28DAA045-4540-44C0-BB87-F5B0427377A2}" type="datetimeFigureOut">
               <a:rPr lang="zh-TW" altLang="en-US" smtClean="0"/>
-              <a:t>2017/6/18</a:t>
+              <a:t>2017/6/19</a:t>
             </a:fld>
             <a:endParaRPr lang="zh-TW" altLang="en-US"/>
           </a:p>
@@ -1052,7 +1053,7 @@
           <a:p>
             <a:fld id="{28DAA045-4540-44C0-BB87-F5B0427377A2}" type="datetimeFigureOut">
               <a:rPr lang="zh-TW" altLang="en-US" smtClean="0"/>
-              <a:t>2017/6/18</a:t>
+              <a:t>2017/6/19</a:t>
             </a:fld>
             <a:endParaRPr lang="zh-TW" altLang="en-US"/>
           </a:p>
@@ -1388,7 +1389,7 @@
           <a:p>
             <a:fld id="{28DAA045-4540-44C0-BB87-F5B0427377A2}" type="datetimeFigureOut">
               <a:rPr lang="zh-TW" altLang="en-US" smtClean="0"/>
-              <a:t>2017/6/18</a:t>
+              <a:t>2017/6/19</a:t>
             </a:fld>
             <a:endParaRPr lang="zh-TW" altLang="en-US"/>
           </a:p>
@@ -1708,7 +1709,7 @@
           <a:p>
             <a:fld id="{28DAA045-4540-44C0-BB87-F5B0427377A2}" type="datetimeFigureOut">
               <a:rPr lang="zh-TW" altLang="en-US" smtClean="0"/>
-              <a:t>2017/6/18</a:t>
+              <a:t>2017/6/19</a:t>
             </a:fld>
             <a:endParaRPr lang="zh-TW" altLang="en-US"/>
           </a:p>
@@ -2104,7 +2105,7 @@
           <a:p>
             <a:fld id="{28DAA045-4540-44C0-BB87-F5B0427377A2}" type="datetimeFigureOut">
               <a:rPr lang="zh-TW" altLang="en-US" smtClean="0"/>
-              <a:t>2017/6/18</a:t>
+              <a:t>2017/6/19</a:t>
             </a:fld>
             <a:endParaRPr lang="zh-TW" altLang="en-US"/>
           </a:p>
@@ -2361,7 +2362,7 @@
           <a:p>
             <a:fld id="{28DAA045-4540-44C0-BB87-F5B0427377A2}" type="datetimeFigureOut">
               <a:rPr lang="zh-TW" altLang="en-US" smtClean="0"/>
-              <a:t>2017/6/18</a:t>
+              <a:t>2017/6/19</a:t>
             </a:fld>
             <a:endParaRPr lang="zh-TW" altLang="en-US"/>
           </a:p>
@@ -2623,7 +2624,7 @@
           <a:p>
             <a:fld id="{28DAA045-4540-44C0-BB87-F5B0427377A2}" type="datetimeFigureOut">
               <a:rPr lang="zh-TW" altLang="en-US" smtClean="0"/>
-              <a:t>2017/6/18</a:t>
+              <a:t>2017/6/19</a:t>
             </a:fld>
             <a:endParaRPr lang="zh-TW" altLang="en-US"/>
           </a:p>
@@ -2885,7 +2886,7 @@
           <a:p>
             <a:fld id="{28DAA045-4540-44C0-BB87-F5B0427377A2}" type="datetimeFigureOut">
               <a:rPr lang="zh-TW" altLang="en-US" smtClean="0"/>
-              <a:t>2017/6/18</a:t>
+              <a:t>2017/6/19</a:t>
             </a:fld>
             <a:endParaRPr lang="zh-TW" altLang="en-US"/>
           </a:p>
@@ -3214,7 +3215,7 @@
           <a:p>
             <a:fld id="{28DAA045-4540-44C0-BB87-F5B0427377A2}" type="datetimeFigureOut">
               <a:rPr lang="zh-TW" altLang="en-US" smtClean="0"/>
-              <a:t>2017/6/18</a:t>
+              <a:t>2017/6/19</a:t>
             </a:fld>
             <a:endParaRPr lang="zh-TW" altLang="en-US"/>
           </a:p>
@@ -3537,7 +3538,7 @@
           <a:p>
             <a:fld id="{28DAA045-4540-44C0-BB87-F5B0427377A2}" type="datetimeFigureOut">
               <a:rPr lang="zh-TW" altLang="en-US" smtClean="0"/>
-              <a:t>2017/6/18</a:t>
+              <a:t>2017/6/19</a:t>
             </a:fld>
             <a:endParaRPr lang="zh-TW" altLang="en-US"/>
           </a:p>
@@ -3994,7 +3995,7 @@
           <a:p>
             <a:fld id="{28DAA045-4540-44C0-BB87-F5B0427377A2}" type="datetimeFigureOut">
               <a:rPr lang="zh-TW" altLang="en-US" smtClean="0"/>
-              <a:t>2017/6/18</a:t>
+              <a:t>2017/6/19</a:t>
             </a:fld>
             <a:endParaRPr lang="zh-TW" altLang="en-US"/>
           </a:p>
@@ -4199,7 +4200,7 @@
           <a:p>
             <a:fld id="{28DAA045-4540-44C0-BB87-F5B0427377A2}" type="datetimeFigureOut">
               <a:rPr lang="zh-TW" altLang="en-US" smtClean="0"/>
-              <a:t>2017/6/18</a:t>
+              <a:t>2017/6/19</a:t>
             </a:fld>
             <a:endParaRPr lang="zh-TW" altLang="en-US"/>
           </a:p>
@@ -4376,7 +4377,7 @@
           <a:p>
             <a:fld id="{28DAA045-4540-44C0-BB87-F5B0427377A2}" type="datetimeFigureOut">
               <a:rPr lang="zh-TW" altLang="en-US" smtClean="0"/>
-              <a:t>2017/6/18</a:t>
+              <a:t>2017/6/19</a:t>
             </a:fld>
             <a:endParaRPr lang="zh-TW" altLang="en-US"/>
           </a:p>
@@ -4709,7 +4710,7 @@
           <a:p>
             <a:fld id="{28DAA045-4540-44C0-BB87-F5B0427377A2}" type="datetimeFigureOut">
               <a:rPr lang="zh-TW" altLang="en-US" smtClean="0"/>
-              <a:t>2017/6/18</a:t>
+              <a:t>2017/6/19</a:t>
             </a:fld>
             <a:endParaRPr lang="zh-TW" altLang="en-US"/>
           </a:p>
@@ -5054,7 +5055,7 @@
           <a:p>
             <a:fld id="{28DAA045-4540-44C0-BB87-F5B0427377A2}" type="datetimeFigureOut">
               <a:rPr lang="zh-TW" altLang="en-US" smtClean="0"/>
-              <a:t>2017/6/18</a:t>
+              <a:t>2017/6/19</a:t>
             </a:fld>
             <a:endParaRPr lang="zh-TW" altLang="en-US"/>
           </a:p>
@@ -7171,7 +7172,7 @@
           <a:p>
             <a:fld id="{28DAA045-4540-44C0-BB87-F5B0427377A2}" type="datetimeFigureOut">
               <a:rPr lang="zh-TW" altLang="en-US" smtClean="0"/>
-              <a:t>2017/6/18</a:t>
+              <a:t>2017/6/19</a:t>
             </a:fld>
             <a:endParaRPr lang="zh-TW" altLang="en-US"/>
           </a:p>
@@ -7800,6 +7801,127 @@
           <a:chExt cx="0" cy="0"/>
         </a:xfrm>
       </p:grpSpPr>
+      <p:sp>
+        <p:nvSpPr>
+          <p:cNvPr id="2" name="標題 1"/>
+          <p:cNvSpPr>
+            <a:spLocks noGrp="1"/>
+          </p:cNvSpPr>
+          <p:nvPr>
+            <p:ph type="title"/>
+          </p:nvPr>
+        </p:nvSpPr>
+        <p:spPr>
+          <a:xfrm>
+            <a:off x="1720089" y="565921"/>
+            <a:ext cx="10682500" cy="1280890"/>
+          </a:xfrm>
+        </p:spPr>
+        <p:txBody>
+          <a:bodyPr>
+            <a:noAutofit/>
+          </a:bodyPr>
+          <a:lstStyle/>
+          <a:p>
+            <a:r>
+              <a:rPr lang="en-US" altLang="zh-TW" sz="4000" dirty="0" smtClean="0"/>
+              <a:t>Source code of significant functionality</a:t>
+            </a:r>
+            <a:endParaRPr lang="zh-TW" altLang="en-US" sz="4000" dirty="0"/>
+          </a:p>
+        </p:txBody>
+      </p:sp>
+      <p:pic>
+        <p:nvPicPr>
+          <p:cNvPr id="4" name="圖片 3"/>
+          <p:cNvPicPr>
+            <a:picLocks noChangeAspect="1"/>
+          </p:cNvPicPr>
+          <p:nvPr/>
+        </p:nvPicPr>
+        <p:blipFill>
+          <a:blip r:embed="rId2"/>
+          <a:stretch>
+            <a:fillRect/>
+          </a:stretch>
+        </p:blipFill>
+        <p:spPr>
+          <a:xfrm>
+            <a:off x="2299489" y="2405477"/>
+            <a:ext cx="9205123" cy="3570893"/>
+          </a:xfrm>
+          <a:prstGeom prst="rect">
+            <a:avLst/>
+          </a:prstGeom>
+        </p:spPr>
+      </p:pic>
+      <p:sp>
+        <p:nvSpPr>
+          <p:cNvPr id="5" name="文字方塊 4"/>
+          <p:cNvSpPr txBox="1"/>
+          <p:nvPr/>
+        </p:nvSpPr>
+        <p:spPr>
+          <a:xfrm>
+            <a:off x="1521228" y="1720334"/>
+            <a:ext cx="2942707" cy="523220"/>
+          </a:xfrm>
+          <a:prstGeom prst="rect">
+            <a:avLst/>
+          </a:prstGeom>
+          <a:noFill/>
+        </p:spPr>
+        <p:txBody>
+          <a:bodyPr wrap="square" rtlCol="0">
+            <a:spAutoFit/>
+          </a:bodyPr>
+          <a:lstStyle/>
+          <a:p>
+            <a:r>
+              <a:rPr lang="en-US" altLang="zh-TW" sz="2800" dirty="0" err="1" smtClean="0"/>
+              <a:t>TestManager</a:t>
+            </a:r>
+            <a:endParaRPr lang="zh-TW" altLang="en-US" sz="2800" dirty="0"/>
+          </a:p>
+        </p:txBody>
+      </p:sp>
+    </p:spTree>
+    <p:extLst>
+      <p:ext uri="{BB962C8B-B14F-4D97-AF65-F5344CB8AC3E}">
+        <p14:creationId xmlns:p14="http://schemas.microsoft.com/office/powerpoint/2010/main" val="679653510"/>
+      </p:ext>
+    </p:extLst>
+  </p:cSld>
+  <p:clrMapOvr>
+    <a:masterClrMapping/>
+  </p:clrMapOvr>
+  <p:timing>
+    <p:tnLst>
+      <p:par>
+        <p:cTn id="1" dur="indefinite" restart="never" nodeType="tmRoot"/>
+      </p:par>
+    </p:tnLst>
+  </p:timing>
+</p:sld>
+</file>
+
+<file path=ppt/slides/slide11.xml><?xml version="1.0" encoding="utf-8"?>
+<p:sld xmlns:a="http://schemas.openxmlformats.org/drawingml/2006/main" xmlns:r="http://schemas.openxmlformats.org/officeDocument/2006/relationships" xmlns:p="http://schemas.openxmlformats.org/presentationml/2006/main">
+  <p:cSld>
+    <p:spTree>
+      <p:nvGrpSpPr>
+        <p:cNvPr id="1" name=""/>
+        <p:cNvGrpSpPr/>
+        <p:nvPr/>
+      </p:nvGrpSpPr>
+      <p:grpSpPr>
+        <a:xfrm>
+          <a:off x="0" y="0"/>
+          <a:ext cx="0" cy="0"/>
+          <a:chOff x="0" y="0"/>
+          <a:chExt cx="0" cy="0"/>
+        </a:xfrm>
+      </p:grpSpPr>
       <p:pic>
         <p:nvPicPr>
           <p:cNvPr id="4" name="圖片 3"/>
@@ -7998,7 +8120,7 @@
 </p:sld>
 </file>
 
-<file path=ppt/slides/slide11.xml><?xml version="1.0" encoding="utf-8"?>
+<file path=ppt/slides/slide12.xml><?xml version="1.0" encoding="utf-8"?>
 <p:sld xmlns:a="http://schemas.openxmlformats.org/drawingml/2006/main" xmlns:r="http://schemas.openxmlformats.org/officeDocument/2006/relationships" xmlns:p="http://schemas.openxmlformats.org/presentationml/2006/main">
   <p:cSld>
     <p:spTree>
@@ -8064,7 +8186,7 @@
 </p:sld>
 </file>
 
-<file path=ppt/slides/slide12.xml><?xml version="1.0" encoding="utf-8"?>
+<file path=ppt/slides/slide13.xml><?xml version="1.0" encoding="utf-8"?>
 <p:sld xmlns:a="http://schemas.openxmlformats.org/drawingml/2006/main" xmlns:r="http://schemas.openxmlformats.org/officeDocument/2006/relationships" xmlns:p="http://schemas.openxmlformats.org/presentationml/2006/main">
   <p:cSld>
     <p:spTree>
@@ -8244,7 +8366,7 @@
 </p:sld>
 </file>
 
-<file path=ppt/slides/slide13.xml><?xml version="1.0" encoding="utf-8"?>
+<file path=ppt/slides/slide14.xml><?xml version="1.0" encoding="utf-8"?>
 <p:sld xmlns:a="http://schemas.openxmlformats.org/drawingml/2006/main" xmlns:r="http://schemas.openxmlformats.org/officeDocument/2006/relationships" xmlns:p="http://schemas.openxmlformats.org/presentationml/2006/main">
   <p:cSld>
     <p:spTree>
@@ -8310,7 +8432,7 @@
 </p:sld>
 </file>
 
-<file path=ppt/slides/slide14.xml><?xml version="1.0" encoding="utf-8"?>
+<file path=ppt/slides/slide15.xml><?xml version="1.0" encoding="utf-8"?>
 <p:sld xmlns:a="http://schemas.openxmlformats.org/drawingml/2006/main" xmlns:r="http://schemas.openxmlformats.org/officeDocument/2006/relationships" xmlns:p="http://schemas.openxmlformats.org/presentationml/2006/main">
   <p:cSld>
     <p:spTree>
@@ -8352,11 +8474,7 @@
             <a:pPr algn="ctr"/>
             <a:r>
               <a:rPr lang="en-US" altLang="zh-TW" sz="6600" dirty="0" smtClean="0"/>
-              <a:t>Thanks for </a:t>
-            </a:r>
-            <a:r>
-              <a:rPr lang="en-US" altLang="zh-TW" sz="6600" dirty="0" smtClean="0"/>
-              <a:t>listening</a:t>
+              <a:t>Thanks for listening</a:t>
             </a:r>
             <a:endParaRPr lang="zh-TW" altLang="en-US" sz="6600" dirty="0"/>
           </a:p>
@@ -8793,6 +8911,73 @@
       </p:grpSpPr>
       <p:sp>
         <p:nvSpPr>
+          <p:cNvPr id="4" name="標題 1"/>
+          <p:cNvSpPr>
+            <a:spLocks noGrp="1"/>
+          </p:cNvSpPr>
+          <p:nvPr>
+            <p:ph type="title"/>
+          </p:nvPr>
+        </p:nvSpPr>
+        <p:spPr>
+          <a:xfrm>
+            <a:off x="3782821" y="2742443"/>
+            <a:ext cx="8911687" cy="1280890"/>
+          </a:xfrm>
+        </p:spPr>
+        <p:txBody>
+          <a:bodyPr>
+            <a:normAutofit/>
+          </a:bodyPr>
+          <a:lstStyle/>
+          <a:p>
+            <a:r>
+              <a:rPr lang="en-US" altLang="zh-TW" sz="4400" dirty="0"/>
+              <a:t>Project information</a:t>
+            </a:r>
+            <a:endParaRPr lang="zh-TW" altLang="en-US" sz="4400" dirty="0"/>
+          </a:p>
+        </p:txBody>
+      </p:sp>
+    </p:spTree>
+    <p:extLst>
+      <p:ext uri="{BB962C8B-B14F-4D97-AF65-F5344CB8AC3E}">
+        <p14:creationId xmlns:p14="http://schemas.microsoft.com/office/powerpoint/2010/main" val="1514948762"/>
+      </p:ext>
+    </p:extLst>
+  </p:cSld>
+  <p:clrMapOvr>
+    <a:masterClrMapping/>
+  </p:clrMapOvr>
+  <p:timing>
+    <p:tnLst>
+      <p:par>
+        <p:cTn id="1" dur="indefinite" restart="never" nodeType="tmRoot"/>
+      </p:par>
+    </p:tnLst>
+  </p:timing>
+</p:sld>
+</file>
+
+<file path=ppt/slides/slide6.xml><?xml version="1.0" encoding="utf-8"?>
+<p:sld xmlns:a="http://schemas.openxmlformats.org/drawingml/2006/main" xmlns:r="http://schemas.openxmlformats.org/officeDocument/2006/relationships" xmlns:p="http://schemas.openxmlformats.org/presentationml/2006/main">
+  <p:cSld>
+    <p:spTree>
+      <p:nvGrpSpPr>
+        <p:cNvPr id="1" name=""/>
+        <p:cNvGrpSpPr/>
+        <p:nvPr/>
+      </p:nvGrpSpPr>
+      <p:grpSpPr>
+        <a:xfrm>
+          <a:off x="0" y="0"/>
+          <a:ext cx="0" cy="0"/>
+          <a:chOff x="0" y="0"/>
+          <a:chExt cx="0" cy="0"/>
+        </a:xfrm>
+      </p:grpSpPr>
+      <p:sp>
+        <p:nvSpPr>
           <p:cNvPr id="2" name="標題 1"/>
           <p:cNvSpPr>
             <a:spLocks noGrp="1"/>
@@ -8814,28 +8999,9 @@
           </a:p>
         </p:txBody>
       </p:sp>
-      <p:sp>
-        <p:nvSpPr>
-          <p:cNvPr id="3" name="內容版面配置區 2"/>
-          <p:cNvSpPr>
-            <a:spLocks noGrp="1"/>
-          </p:cNvSpPr>
-          <p:nvPr>
-            <p:ph idx="1"/>
-          </p:nvPr>
-        </p:nvSpPr>
-        <p:spPr/>
-        <p:txBody>
-          <a:bodyPr/>
-          <a:lstStyle/>
-          <a:p>
-            <a:endParaRPr lang="zh-TW" altLang="en-US"/>
-          </a:p>
-        </p:txBody>
-      </p:sp>
       <p:pic>
         <p:nvPicPr>
-          <p:cNvPr id="5" name="圖片 4"/>
+          <p:cNvPr id="6" name="圖片 5"/>
           <p:cNvPicPr>
             <a:picLocks noChangeAspect="1"/>
           </p:cNvPicPr>
@@ -8849,8 +9015,8 @@
         </p:blipFill>
         <p:spPr>
           <a:xfrm>
-            <a:off x="2077657" y="1198601"/>
-            <a:ext cx="8428571" cy="5647619"/>
+            <a:off x="2347784" y="1264555"/>
+            <a:ext cx="7957751" cy="5490016"/>
           </a:xfrm>
           <a:prstGeom prst="rect">
             <a:avLst/>
@@ -8877,7 +9043,7 @@
 </p:sld>
 </file>
 
-<file path=ppt/slides/slide6.xml><?xml version="1.0" encoding="utf-8"?>
+<file path=ppt/slides/slide7.xml><?xml version="1.0" encoding="utf-8"?>
 <p:sld xmlns:a="http://schemas.openxmlformats.org/drawingml/2006/main" xmlns:r="http://schemas.openxmlformats.org/officeDocument/2006/relationships" xmlns:p="http://schemas.openxmlformats.org/presentationml/2006/main">
   <p:cSld>
     <p:spTree>
@@ -9036,7 +9202,7 @@
 </p:sld>
 </file>
 
-<file path=ppt/slides/slide7.xml><?xml version="1.0" encoding="utf-8"?>
+<file path=ppt/slides/slide8.xml><?xml version="1.0" encoding="utf-8"?>
 <p:sld xmlns:a="http://schemas.openxmlformats.org/drawingml/2006/main" xmlns:r="http://schemas.openxmlformats.org/officeDocument/2006/relationships" xmlns:p="http://schemas.openxmlformats.org/presentationml/2006/main">
   <p:cSld>
     <p:spTree>
@@ -9143,7 +9309,7 @@
         <p:spPr>
           <a:xfrm>
             <a:off x="8803178" y="3306741"/>
-            <a:ext cx="3233651" cy="646331"/>
+            <a:ext cx="3233651" cy="1200329"/>
           </a:xfrm>
           <a:prstGeom prst="rect">
             <a:avLst/>
@@ -9163,7 +9329,50 @@
                   <a:srgbClr val="FF0000"/>
                 </a:solidFill>
               </a:rPr>
-              <a:t>Total time for whole project:</a:t>
+              <a:t>Each person:</a:t>
+            </a:r>
+          </a:p>
+          <a:p>
+            <a:pPr algn="ctr"/>
+            <a:r>
+              <a:rPr lang="en-US" altLang="zh-TW" b="1" dirty="0" smtClean="0">
+                <a:solidFill>
+                  <a:srgbClr val="FF0000"/>
+                </a:solidFill>
+              </a:rPr>
+              <a:t>57.7 </a:t>
+            </a:r>
+            <a:r>
+              <a:rPr lang="en-US" altLang="zh-TW" b="1" dirty="0" err="1" smtClean="0">
+                <a:solidFill>
+                  <a:srgbClr val="FF0000"/>
+                </a:solidFill>
+              </a:rPr>
+              <a:t>hr</a:t>
+            </a:r>
+            <a:endParaRPr lang="en-US" altLang="zh-TW" b="1" dirty="0" smtClean="0">
+              <a:solidFill>
+                <a:srgbClr val="FF0000"/>
+              </a:solidFill>
+            </a:endParaRPr>
+          </a:p>
+          <a:p>
+            <a:pPr algn="ctr"/>
+            <a:r>
+              <a:rPr lang="en-US" altLang="zh-TW" b="1" dirty="0" smtClean="0">
+                <a:solidFill>
+                  <a:srgbClr val="FF0000"/>
+                </a:solidFill>
+              </a:rPr>
+              <a:t>Total </a:t>
+            </a:r>
+            <a:r>
+              <a:rPr lang="en-US" altLang="zh-TW" b="1" dirty="0" smtClean="0">
+                <a:solidFill>
+                  <a:srgbClr val="FF0000"/>
+                </a:solidFill>
+              </a:rPr>
+              <a:t>time for whole project:</a:t>
             </a:r>
             <a:br>
               <a:rPr lang="en-US" altLang="zh-TW" b="1" dirty="0" smtClean="0">
@@ -9178,7 +9387,15 @@
                   <a:srgbClr val="FF0000"/>
                 </a:solidFill>
               </a:rPr>
-              <a:t>57.7hr</a:t>
+              <a:t>173.1</a:t>
+            </a:r>
+            <a:r>
+              <a:rPr lang="en-US" altLang="zh-TW" b="1" dirty="0" smtClean="0">
+                <a:solidFill>
+                  <a:srgbClr val="FF0000"/>
+                </a:solidFill>
+              </a:rPr>
+              <a:t>hr</a:t>
             </a:r>
             <a:endParaRPr lang="zh-TW" altLang="en-US" b="1" dirty="0">
               <a:solidFill>
@@ -9208,7 +9425,7 @@
 </p:sld>
 </file>
 
-<file path=ppt/slides/slide8.xml><?xml version="1.0" encoding="utf-8"?>
+<file path=ppt/slides/slide9.xml><?xml version="1.0" encoding="utf-8"?>
 <p:sld xmlns:a="http://schemas.openxmlformats.org/drawingml/2006/main" xmlns:r="http://schemas.openxmlformats.org/officeDocument/2006/relationships" xmlns:p="http://schemas.openxmlformats.org/presentationml/2006/main">
   <p:cSld>
     <p:spTree>
@@ -9365,127 +9582,6 @@
             </p:seq>
           </p:childTnLst>
         </p:cTn>
-      </p:par>
-    </p:tnLst>
-  </p:timing>
-</p:sld>
-</file>
-
-<file path=ppt/slides/slide9.xml><?xml version="1.0" encoding="utf-8"?>
-<p:sld xmlns:a="http://schemas.openxmlformats.org/drawingml/2006/main" xmlns:r="http://schemas.openxmlformats.org/officeDocument/2006/relationships" xmlns:p="http://schemas.openxmlformats.org/presentationml/2006/main">
-  <p:cSld>
-    <p:spTree>
-      <p:nvGrpSpPr>
-        <p:cNvPr id="1" name=""/>
-        <p:cNvGrpSpPr/>
-        <p:nvPr/>
-      </p:nvGrpSpPr>
-      <p:grpSpPr>
-        <a:xfrm>
-          <a:off x="0" y="0"/>
-          <a:ext cx="0" cy="0"/>
-          <a:chOff x="0" y="0"/>
-          <a:chExt cx="0" cy="0"/>
-        </a:xfrm>
-      </p:grpSpPr>
-      <p:sp>
-        <p:nvSpPr>
-          <p:cNvPr id="2" name="標題 1"/>
-          <p:cNvSpPr>
-            <a:spLocks noGrp="1"/>
-          </p:cNvSpPr>
-          <p:nvPr>
-            <p:ph type="title"/>
-          </p:nvPr>
-        </p:nvSpPr>
-        <p:spPr>
-          <a:xfrm>
-            <a:off x="1720089" y="565921"/>
-            <a:ext cx="10682500" cy="1280890"/>
-          </a:xfrm>
-        </p:spPr>
-        <p:txBody>
-          <a:bodyPr>
-            <a:noAutofit/>
-          </a:bodyPr>
-          <a:lstStyle/>
-          <a:p>
-            <a:r>
-              <a:rPr lang="en-US" altLang="zh-TW" sz="4000" dirty="0" smtClean="0"/>
-              <a:t>Source code of significant functionality</a:t>
-            </a:r>
-            <a:endParaRPr lang="zh-TW" altLang="en-US" sz="4000" dirty="0"/>
-          </a:p>
-        </p:txBody>
-      </p:sp>
-      <p:pic>
-        <p:nvPicPr>
-          <p:cNvPr id="4" name="圖片 3"/>
-          <p:cNvPicPr>
-            <a:picLocks noChangeAspect="1"/>
-          </p:cNvPicPr>
-          <p:nvPr/>
-        </p:nvPicPr>
-        <p:blipFill>
-          <a:blip r:embed="rId2"/>
-          <a:stretch>
-            <a:fillRect/>
-          </a:stretch>
-        </p:blipFill>
-        <p:spPr>
-          <a:xfrm>
-            <a:off x="2299489" y="2405477"/>
-            <a:ext cx="9205123" cy="3570893"/>
-          </a:xfrm>
-          <a:prstGeom prst="rect">
-            <a:avLst/>
-          </a:prstGeom>
-        </p:spPr>
-      </p:pic>
-      <p:sp>
-        <p:nvSpPr>
-          <p:cNvPr id="5" name="文字方塊 4"/>
-          <p:cNvSpPr txBox="1"/>
-          <p:nvPr/>
-        </p:nvSpPr>
-        <p:spPr>
-          <a:xfrm>
-            <a:off x="1521228" y="1720334"/>
-            <a:ext cx="2942707" cy="523220"/>
-          </a:xfrm>
-          <a:prstGeom prst="rect">
-            <a:avLst/>
-          </a:prstGeom>
-          <a:noFill/>
-        </p:spPr>
-        <p:txBody>
-          <a:bodyPr wrap="square" rtlCol="0">
-            <a:spAutoFit/>
-          </a:bodyPr>
-          <a:lstStyle/>
-          <a:p>
-            <a:r>
-              <a:rPr lang="en-US" altLang="zh-TW" sz="2800" dirty="0" err="1" smtClean="0"/>
-              <a:t>TestManager</a:t>
-            </a:r>
-            <a:endParaRPr lang="zh-TW" altLang="en-US" sz="2800" dirty="0"/>
-          </a:p>
-        </p:txBody>
-      </p:sp>
-    </p:spTree>
-    <p:extLst>
-      <p:ext uri="{BB962C8B-B14F-4D97-AF65-F5344CB8AC3E}">
-        <p14:creationId xmlns:p14="http://schemas.microsoft.com/office/powerpoint/2010/main" val="679653510"/>
-      </p:ext>
-    </p:extLst>
-  </p:cSld>
-  <p:clrMapOvr>
-    <a:masterClrMapping/>
-  </p:clrMapOvr>
-  <p:timing>
-    <p:tnLst>
-      <p:par>
-        <p:cTn id="1" dur="indefinite" restart="never" nodeType="tmRoot"/>
       </p:par>
     </p:tnLst>
   </p:timing>

--- a/document/OOAD_Final_demo.pptx
+++ b/document/OOAD_Final_demo.pptx
@@ -7948,25 +7948,6 @@
       </p:pic>
       <p:sp>
         <p:nvSpPr>
-          <p:cNvPr id="7" name="標題 6"/>
-          <p:cNvSpPr>
-            <a:spLocks noGrp="1"/>
-          </p:cNvSpPr>
-          <p:nvPr>
-            <p:ph type="title"/>
-          </p:nvPr>
-        </p:nvSpPr>
-        <p:spPr/>
-        <p:txBody>
-          <a:bodyPr/>
-          <a:lstStyle/>
-          <a:p>
-            <a:endParaRPr lang="zh-TW" altLang="en-US"/>
-          </a:p>
-        </p:txBody>
-      </p:sp>
-      <p:sp>
-        <p:nvSpPr>
           <p:cNvPr id="8" name="標題 1"/>
           <p:cNvSpPr txBox="1">
             <a:spLocks/>
@@ -8063,7 +8044,7 @@
           </a:lstStyle>
           <a:p>
             <a:r>
-              <a:rPr lang="en-US" altLang="zh-TW" sz="4000" smtClean="0"/>
+              <a:rPr lang="en-US" altLang="zh-TW" sz="4000" dirty="0" smtClean="0"/>
               <a:t>Source code of significant functionality</a:t>
             </a:r>
             <a:endParaRPr lang="zh-TW" altLang="en-US" sz="4000" dirty="0"/>
@@ -8079,7 +8060,7 @@
         <p:spPr>
           <a:xfrm>
             <a:off x="1521228" y="1720334"/>
-            <a:ext cx="2942707" cy="954107"/>
+            <a:ext cx="3026058" cy="523220"/>
           </a:xfrm>
           <a:prstGeom prst="rect">
             <a:avLst/>
@@ -8093,7 +8074,7 @@
           <a:lstStyle/>
           <a:p>
             <a:r>
-              <a:rPr lang="en-US" altLang="zh-TW" sz="2800" smtClean="0"/>
+              <a:rPr lang="en-US" altLang="zh-TW" sz="2800" dirty="0" err="1" smtClean="0"/>
               <a:t>ProjectManager</a:t>
             </a:r>
             <a:endParaRPr lang="zh-TW" altLang="en-US" sz="2800" dirty="0"/>

--- a/document/OOAD_Final_demo.pptx
+++ b/document/OOAD_Final_demo.pptx
@@ -13,13 +13,14 @@
     <p:sldId id="279" r:id="rId7"/>
     <p:sldId id="280" r:id="rId8"/>
     <p:sldId id="282" r:id="rId9"/>
-    <p:sldId id="308" r:id="rId10"/>
-    <p:sldId id="309" r:id="rId11"/>
-    <p:sldId id="310" r:id="rId12"/>
-    <p:sldId id="284" r:id="rId13"/>
-    <p:sldId id="311" r:id="rId14"/>
-    <p:sldId id="312" r:id="rId15"/>
-    <p:sldId id="307" r:id="rId16"/>
+    <p:sldId id="314" r:id="rId10"/>
+    <p:sldId id="308" r:id="rId11"/>
+    <p:sldId id="309" r:id="rId12"/>
+    <p:sldId id="310" r:id="rId13"/>
+    <p:sldId id="284" r:id="rId14"/>
+    <p:sldId id="311" r:id="rId15"/>
+    <p:sldId id="312" r:id="rId16"/>
+    <p:sldId id="307" r:id="rId17"/>
   </p:sldIdLst>
   <p:sldSz cx="12192000" cy="6858000"/>
   <p:notesSz cx="6858000" cy="9144000"/>
@@ -7813,6 +7814,169 @@
         </p:nvSpPr>
         <p:spPr>
           <a:xfrm>
+            <a:off x="1620336" y="657361"/>
+            <a:ext cx="8911687" cy="1280890"/>
+          </a:xfrm>
+        </p:spPr>
+        <p:txBody>
+          <a:bodyPr/>
+          <a:lstStyle/>
+          <a:p>
+            <a:r>
+              <a:rPr lang="en-US" altLang="zh-TW" dirty="0" smtClean="0"/>
+              <a:t>Design Class Diagram</a:t>
+            </a:r>
+            <a:endParaRPr lang="zh-TW" altLang="en-US" dirty="0"/>
+          </a:p>
+        </p:txBody>
+      </p:sp>
+      <p:pic>
+        <p:nvPicPr>
+          <p:cNvPr id="9" name="圖片 8"/>
+          <p:cNvPicPr>
+            <a:picLocks noChangeAspect="1"/>
+          </p:cNvPicPr>
+          <p:nvPr/>
+        </p:nvPicPr>
+        <p:blipFill>
+          <a:blip r:embed="rId2" cstate="print">
+            <a:extLst>
+              <a:ext uri="{28A0092B-C50C-407E-A947-70E740481C1C}">
+                <a14:useLocalDpi xmlns:a14="http://schemas.microsoft.com/office/drawing/2010/main" val="0"/>
+              </a:ext>
+            </a:extLst>
+          </a:blip>
+          <a:stretch>
+            <a:fillRect/>
+          </a:stretch>
+        </p:blipFill>
+        <p:spPr>
+          <a:xfrm>
+            <a:off x="678082" y="0"/>
+            <a:ext cx="11118468" cy="6858000"/>
+          </a:xfrm>
+          <a:prstGeom prst="rect">
+            <a:avLst/>
+          </a:prstGeom>
+        </p:spPr>
+      </p:pic>
+    </p:spTree>
+    <p:extLst>
+      <p:ext uri="{BB962C8B-B14F-4D97-AF65-F5344CB8AC3E}">
+        <p14:creationId xmlns:p14="http://schemas.microsoft.com/office/powerpoint/2010/main" val="2457498206"/>
+      </p:ext>
+    </p:extLst>
+  </p:cSld>
+  <p:clrMapOvr>
+    <a:masterClrMapping/>
+  </p:clrMapOvr>
+  <p:timing>
+    <p:tnLst>
+      <p:par>
+        <p:cTn id="1" dur="indefinite" restart="never" nodeType="tmRoot">
+          <p:childTnLst>
+            <p:seq concurrent="1" nextAc="seek">
+              <p:cTn id="2" dur="indefinite" nodeType="mainSeq">
+                <p:childTnLst>
+                  <p:par>
+                    <p:cTn id="3" fill="hold">
+                      <p:stCondLst>
+                        <p:cond delay="indefinite"/>
+                      </p:stCondLst>
+                      <p:childTnLst>
+                        <p:par>
+                          <p:cTn id="4" fill="hold">
+                            <p:stCondLst>
+                              <p:cond delay="0"/>
+                            </p:stCondLst>
+                            <p:childTnLst>
+                              <p:par>
+                                <p:cTn id="5" presetID="1" presetClass="entr" presetSubtype="0" fill="hold" nodeType="clickEffect">
+                                  <p:stCondLst>
+                                    <p:cond delay="0"/>
+                                  </p:stCondLst>
+                                  <p:childTnLst>
+                                    <p:set>
+                                      <p:cBhvr>
+                                        <p:cTn id="6" dur="1" fill="hold">
+                                          <p:stCondLst>
+                                            <p:cond delay="0"/>
+                                          </p:stCondLst>
+                                        </p:cTn>
+                                        <p:tgtEl>
+                                          <p:spTgt spid="9"/>
+                                        </p:tgtEl>
+                                        <p:attrNameLst>
+                                          <p:attrName>style.visibility</p:attrName>
+                                        </p:attrNameLst>
+                                      </p:cBhvr>
+                                      <p:to>
+                                        <p:strVal val="visible"/>
+                                      </p:to>
+                                    </p:set>
+                                  </p:childTnLst>
+                                </p:cTn>
+                              </p:par>
+                            </p:childTnLst>
+                          </p:cTn>
+                        </p:par>
+                      </p:childTnLst>
+                    </p:cTn>
+                  </p:par>
+                </p:childTnLst>
+              </p:cTn>
+              <p:prevCondLst>
+                <p:cond evt="onPrev" delay="0">
+                  <p:tgtEl>
+                    <p:sldTgt/>
+                  </p:tgtEl>
+                </p:cond>
+              </p:prevCondLst>
+              <p:nextCondLst>
+                <p:cond evt="onNext" delay="0">
+                  <p:tgtEl>
+                    <p:sldTgt/>
+                  </p:tgtEl>
+                </p:cond>
+              </p:nextCondLst>
+            </p:seq>
+          </p:childTnLst>
+        </p:cTn>
+      </p:par>
+    </p:tnLst>
+  </p:timing>
+</p:sld>
+</file>
+
+<file path=ppt/slides/slide11.xml><?xml version="1.0" encoding="utf-8"?>
+<p:sld xmlns:a="http://schemas.openxmlformats.org/drawingml/2006/main" xmlns:r="http://schemas.openxmlformats.org/officeDocument/2006/relationships" xmlns:p="http://schemas.openxmlformats.org/presentationml/2006/main">
+  <p:cSld>
+    <p:spTree>
+      <p:nvGrpSpPr>
+        <p:cNvPr id="1" name=""/>
+        <p:cNvGrpSpPr/>
+        <p:nvPr/>
+      </p:nvGrpSpPr>
+      <p:grpSpPr>
+        <a:xfrm>
+          <a:off x="0" y="0"/>
+          <a:ext cx="0" cy="0"/>
+          <a:chOff x="0" y="0"/>
+          <a:chExt cx="0" cy="0"/>
+        </a:xfrm>
+      </p:grpSpPr>
+      <p:sp>
+        <p:nvSpPr>
+          <p:cNvPr id="2" name="標題 1"/>
+          <p:cNvSpPr>
+            <a:spLocks noGrp="1"/>
+          </p:cNvSpPr>
+          <p:nvPr>
+            <p:ph type="title"/>
+          </p:nvPr>
+        </p:nvSpPr>
+        <p:spPr>
+          <a:xfrm>
             <a:off x="1720089" y="565921"/>
             <a:ext cx="10682500" cy="1280890"/>
           </a:xfrm>
@@ -7905,7 +8069,7 @@
 </p:sld>
 </file>
 
-<file path=ppt/slides/slide11.xml><?xml version="1.0" encoding="utf-8"?>
+<file path=ppt/slides/slide12.xml><?xml version="1.0" encoding="utf-8"?>
 <p:sld xmlns:a="http://schemas.openxmlformats.org/drawingml/2006/main" xmlns:r="http://schemas.openxmlformats.org/officeDocument/2006/relationships" xmlns:p="http://schemas.openxmlformats.org/presentationml/2006/main">
   <p:cSld>
     <p:spTree>
@@ -8101,72 +8265,6 @@
 </p:sld>
 </file>
 
-<file path=ppt/slides/slide12.xml><?xml version="1.0" encoding="utf-8"?>
-<p:sld xmlns:a="http://schemas.openxmlformats.org/drawingml/2006/main" xmlns:r="http://schemas.openxmlformats.org/officeDocument/2006/relationships" xmlns:p="http://schemas.openxmlformats.org/presentationml/2006/main">
-  <p:cSld>
-    <p:spTree>
-      <p:nvGrpSpPr>
-        <p:cNvPr id="1" name=""/>
-        <p:cNvGrpSpPr/>
-        <p:nvPr/>
-      </p:nvGrpSpPr>
-      <p:grpSpPr>
-        <a:xfrm>
-          <a:off x="0" y="0"/>
-          <a:ext cx="0" cy="0"/>
-          <a:chOff x="0" y="0"/>
-          <a:chExt cx="0" cy="0"/>
-        </a:xfrm>
-      </p:grpSpPr>
-      <p:sp>
-        <p:nvSpPr>
-          <p:cNvPr id="2" name="標題 1"/>
-          <p:cNvSpPr>
-            <a:spLocks noGrp="1"/>
-          </p:cNvSpPr>
-          <p:nvPr>
-            <p:ph type="title"/>
-          </p:nvPr>
-        </p:nvSpPr>
-        <p:spPr>
-          <a:xfrm>
-            <a:off x="1678525" y="2868547"/>
-            <a:ext cx="8911687" cy="1280890"/>
-          </a:xfrm>
-        </p:spPr>
-        <p:txBody>
-          <a:bodyPr/>
-          <a:lstStyle/>
-          <a:p>
-            <a:pPr algn="ctr"/>
-            <a:r>
-              <a:rPr lang="en-US" altLang="zh-TW" dirty="0" smtClean="0"/>
-              <a:t>Demo for Unit Tests</a:t>
-            </a:r>
-            <a:endParaRPr lang="zh-TW" altLang="en-US" dirty="0"/>
-          </a:p>
-        </p:txBody>
-      </p:sp>
-    </p:spTree>
-    <p:extLst>
-      <p:ext uri="{BB962C8B-B14F-4D97-AF65-F5344CB8AC3E}">
-        <p14:creationId xmlns:p14="http://schemas.microsoft.com/office/powerpoint/2010/main" val="93982817"/>
-      </p:ext>
-    </p:extLst>
-  </p:cSld>
-  <p:clrMapOvr>
-    <a:masterClrMapping/>
-  </p:clrMapOvr>
-  <p:timing>
-    <p:tnLst>
-      <p:par>
-        <p:cTn id="1" dur="indefinite" restart="never" nodeType="tmRoot"/>
-      </p:par>
-    </p:tnLst>
-  </p:timing>
-</p:sld>
-</file>
-
 <file path=ppt/slides/slide13.xml><?xml version="1.0" encoding="utf-8"?>
 <p:sld xmlns:a="http://schemas.openxmlformats.org/drawingml/2006/main" xmlns:r="http://schemas.openxmlformats.org/officeDocument/2006/relationships" xmlns:p="http://schemas.openxmlformats.org/presentationml/2006/main">
   <p:cSld>
@@ -8196,132 +8294,18 @@
         </p:nvSpPr>
         <p:spPr>
           <a:xfrm>
-            <a:off x="2592925" y="624110"/>
-            <a:ext cx="8911687" cy="922057"/>
+            <a:off x="1678525" y="2868547"/>
+            <a:ext cx="8911687" cy="1280890"/>
           </a:xfrm>
         </p:spPr>
         <p:txBody>
           <a:bodyPr/>
           <a:lstStyle/>
           <a:p>
+            <a:pPr algn="ctr"/>
             <a:r>
               <a:rPr lang="en-US" altLang="zh-TW" dirty="0" smtClean="0"/>
-              <a:t>Source </a:t>
-            </a:r>
-            <a:r>
-              <a:rPr lang="en-US" altLang="zh-TW" dirty="0"/>
-              <a:t>code of a significant test </a:t>
-            </a:r>
-            <a:r>
-              <a:rPr lang="en-US" altLang="zh-TW" dirty="0" smtClean="0"/>
-              <a:t>case</a:t>
-            </a:r>
-            <a:endParaRPr lang="zh-TW" altLang="en-US" dirty="0"/>
-          </a:p>
-        </p:txBody>
-      </p:sp>
-      <p:pic>
-        <p:nvPicPr>
-          <p:cNvPr id="5" name="圖片 4"/>
-          <p:cNvPicPr>
-            <a:picLocks noChangeAspect="1"/>
-          </p:cNvPicPr>
-          <p:nvPr/>
-        </p:nvPicPr>
-        <p:blipFill>
-          <a:blip r:embed="rId2"/>
-          <a:stretch>
-            <a:fillRect/>
-          </a:stretch>
-        </p:blipFill>
-        <p:spPr>
-          <a:xfrm>
-            <a:off x="241324" y="1936867"/>
-            <a:ext cx="5041874" cy="3403529"/>
-          </a:xfrm>
-          <a:prstGeom prst="rect">
-            <a:avLst/>
-          </a:prstGeom>
-        </p:spPr>
-      </p:pic>
-      <p:pic>
-        <p:nvPicPr>
-          <p:cNvPr id="6" name="圖片 5"/>
-          <p:cNvPicPr>
-            <a:picLocks noChangeAspect="1"/>
-          </p:cNvPicPr>
-          <p:nvPr/>
-        </p:nvPicPr>
-        <p:blipFill>
-          <a:blip r:embed="rId3"/>
-          <a:stretch>
-            <a:fillRect/>
-          </a:stretch>
-        </p:blipFill>
-        <p:spPr>
-          <a:xfrm>
-            <a:off x="5525829" y="1936866"/>
-            <a:ext cx="6666171" cy="3403529"/>
-          </a:xfrm>
-          <a:prstGeom prst="rect">
-            <a:avLst/>
-          </a:prstGeom>
-        </p:spPr>
-      </p:pic>
-      <p:sp>
-        <p:nvSpPr>
-          <p:cNvPr id="7" name="文字方塊 6"/>
-          <p:cNvSpPr txBox="1"/>
-          <p:nvPr/>
-        </p:nvSpPr>
-        <p:spPr>
-          <a:xfrm>
-            <a:off x="241324" y="1470952"/>
-            <a:ext cx="1995055" cy="369332"/>
-          </a:xfrm>
-          <a:prstGeom prst="rect">
-            <a:avLst/>
-          </a:prstGeom>
-          <a:noFill/>
-        </p:spPr>
-        <p:txBody>
-          <a:bodyPr wrap="square" rtlCol="0">
-            <a:spAutoFit/>
-          </a:bodyPr>
-          <a:lstStyle/>
-          <a:p>
-            <a:r>
-              <a:rPr lang="en-US" altLang="zh-TW" dirty="0" err="1" smtClean="0"/>
-              <a:t>TestManager</a:t>
-            </a:r>
-            <a:endParaRPr lang="zh-TW" altLang="en-US" dirty="0"/>
-          </a:p>
-        </p:txBody>
-      </p:sp>
-      <p:sp>
-        <p:nvSpPr>
-          <p:cNvPr id="9" name="矩形 8"/>
-          <p:cNvSpPr/>
-          <p:nvPr/>
-        </p:nvSpPr>
-        <p:spPr>
-          <a:xfrm>
-            <a:off x="5525829" y="1454327"/>
-            <a:ext cx="2007281" cy="369332"/>
-          </a:xfrm>
-          <a:prstGeom prst="rect">
-            <a:avLst/>
-          </a:prstGeom>
-        </p:spPr>
-        <p:txBody>
-          <a:bodyPr wrap="none">
-            <a:spAutoFit/>
-          </a:bodyPr>
-          <a:lstStyle/>
-          <a:p>
-            <a:r>
-              <a:rPr lang="en-US" altLang="zh-TW" dirty="0" err="1" smtClean="0"/>
-              <a:t>ProjectManager</a:t>
+              <a:t>Demo for Unit Tests</a:t>
             </a:r>
             <a:endParaRPr lang="zh-TW" altLang="en-US" dirty="0"/>
           </a:p>
@@ -8330,7 +8314,7 @@
     </p:spTree>
     <p:extLst>
       <p:ext uri="{BB962C8B-B14F-4D97-AF65-F5344CB8AC3E}">
-        <p14:creationId xmlns:p14="http://schemas.microsoft.com/office/powerpoint/2010/main" val="3495328834"/>
+        <p14:creationId xmlns:p14="http://schemas.microsoft.com/office/powerpoint/2010/main" val="93982817"/>
       </p:ext>
     </p:extLst>
   </p:cSld>
@@ -8366,6 +8350,186 @@
       </p:grpSpPr>
       <p:sp>
         <p:nvSpPr>
+          <p:cNvPr id="2" name="標題 1"/>
+          <p:cNvSpPr>
+            <a:spLocks noGrp="1"/>
+          </p:cNvSpPr>
+          <p:nvPr>
+            <p:ph type="title"/>
+          </p:nvPr>
+        </p:nvSpPr>
+        <p:spPr>
+          <a:xfrm>
+            <a:off x="2592925" y="624110"/>
+            <a:ext cx="8911687" cy="922057"/>
+          </a:xfrm>
+        </p:spPr>
+        <p:txBody>
+          <a:bodyPr/>
+          <a:lstStyle/>
+          <a:p>
+            <a:r>
+              <a:rPr lang="en-US" altLang="zh-TW" dirty="0" smtClean="0"/>
+              <a:t>Source </a:t>
+            </a:r>
+            <a:r>
+              <a:rPr lang="en-US" altLang="zh-TW" dirty="0"/>
+              <a:t>code of a significant test </a:t>
+            </a:r>
+            <a:r>
+              <a:rPr lang="en-US" altLang="zh-TW" dirty="0" smtClean="0"/>
+              <a:t>case</a:t>
+            </a:r>
+            <a:endParaRPr lang="zh-TW" altLang="en-US" dirty="0"/>
+          </a:p>
+        </p:txBody>
+      </p:sp>
+      <p:pic>
+        <p:nvPicPr>
+          <p:cNvPr id="5" name="圖片 4"/>
+          <p:cNvPicPr>
+            <a:picLocks noChangeAspect="1"/>
+          </p:cNvPicPr>
+          <p:nvPr/>
+        </p:nvPicPr>
+        <p:blipFill>
+          <a:blip r:embed="rId2"/>
+          <a:stretch>
+            <a:fillRect/>
+          </a:stretch>
+        </p:blipFill>
+        <p:spPr>
+          <a:xfrm>
+            <a:off x="241324" y="1936867"/>
+            <a:ext cx="5041874" cy="3403529"/>
+          </a:xfrm>
+          <a:prstGeom prst="rect">
+            <a:avLst/>
+          </a:prstGeom>
+        </p:spPr>
+      </p:pic>
+      <p:pic>
+        <p:nvPicPr>
+          <p:cNvPr id="6" name="圖片 5"/>
+          <p:cNvPicPr>
+            <a:picLocks noChangeAspect="1"/>
+          </p:cNvPicPr>
+          <p:nvPr/>
+        </p:nvPicPr>
+        <p:blipFill>
+          <a:blip r:embed="rId3"/>
+          <a:stretch>
+            <a:fillRect/>
+          </a:stretch>
+        </p:blipFill>
+        <p:spPr>
+          <a:xfrm>
+            <a:off x="5525829" y="1936866"/>
+            <a:ext cx="6666171" cy="3403529"/>
+          </a:xfrm>
+          <a:prstGeom prst="rect">
+            <a:avLst/>
+          </a:prstGeom>
+        </p:spPr>
+      </p:pic>
+      <p:sp>
+        <p:nvSpPr>
+          <p:cNvPr id="7" name="文字方塊 6"/>
+          <p:cNvSpPr txBox="1"/>
+          <p:nvPr/>
+        </p:nvSpPr>
+        <p:spPr>
+          <a:xfrm>
+            <a:off x="241324" y="1470952"/>
+            <a:ext cx="1995055" cy="369332"/>
+          </a:xfrm>
+          <a:prstGeom prst="rect">
+            <a:avLst/>
+          </a:prstGeom>
+          <a:noFill/>
+        </p:spPr>
+        <p:txBody>
+          <a:bodyPr wrap="square" rtlCol="0">
+            <a:spAutoFit/>
+          </a:bodyPr>
+          <a:lstStyle/>
+          <a:p>
+            <a:r>
+              <a:rPr lang="en-US" altLang="zh-TW" dirty="0" err="1" smtClean="0"/>
+              <a:t>TestManager</a:t>
+            </a:r>
+            <a:endParaRPr lang="zh-TW" altLang="en-US" dirty="0"/>
+          </a:p>
+        </p:txBody>
+      </p:sp>
+      <p:sp>
+        <p:nvSpPr>
+          <p:cNvPr id="9" name="矩形 8"/>
+          <p:cNvSpPr/>
+          <p:nvPr/>
+        </p:nvSpPr>
+        <p:spPr>
+          <a:xfrm>
+            <a:off x="5525829" y="1454327"/>
+            <a:ext cx="2007281" cy="369332"/>
+          </a:xfrm>
+          <a:prstGeom prst="rect">
+            <a:avLst/>
+          </a:prstGeom>
+        </p:spPr>
+        <p:txBody>
+          <a:bodyPr wrap="none">
+            <a:spAutoFit/>
+          </a:bodyPr>
+          <a:lstStyle/>
+          <a:p>
+            <a:r>
+              <a:rPr lang="en-US" altLang="zh-TW" dirty="0" err="1" smtClean="0"/>
+              <a:t>ProjectManager</a:t>
+            </a:r>
+            <a:endParaRPr lang="zh-TW" altLang="en-US" dirty="0"/>
+          </a:p>
+        </p:txBody>
+      </p:sp>
+    </p:spTree>
+    <p:extLst>
+      <p:ext uri="{BB962C8B-B14F-4D97-AF65-F5344CB8AC3E}">
+        <p14:creationId xmlns:p14="http://schemas.microsoft.com/office/powerpoint/2010/main" val="3495328834"/>
+      </p:ext>
+    </p:extLst>
+  </p:cSld>
+  <p:clrMapOvr>
+    <a:masterClrMapping/>
+  </p:clrMapOvr>
+  <p:timing>
+    <p:tnLst>
+      <p:par>
+        <p:cTn id="1" dur="indefinite" restart="never" nodeType="tmRoot"/>
+      </p:par>
+    </p:tnLst>
+  </p:timing>
+</p:sld>
+</file>
+
+<file path=ppt/slides/slide15.xml><?xml version="1.0" encoding="utf-8"?>
+<p:sld xmlns:a="http://schemas.openxmlformats.org/drawingml/2006/main" xmlns:r="http://schemas.openxmlformats.org/officeDocument/2006/relationships" xmlns:p="http://schemas.openxmlformats.org/presentationml/2006/main">
+  <p:cSld>
+    <p:spTree>
+      <p:nvGrpSpPr>
+        <p:cNvPr id="1" name=""/>
+        <p:cNvGrpSpPr/>
+        <p:nvPr/>
+      </p:nvGrpSpPr>
+      <p:grpSpPr>
+        <a:xfrm>
+          <a:off x="0" y="0"/>
+          <a:ext cx="0" cy="0"/>
+          <a:chOff x="0" y="0"/>
+          <a:chExt cx="0" cy="0"/>
+        </a:xfrm>
+      </p:grpSpPr>
+      <p:sp>
+        <p:nvSpPr>
           <p:cNvPr id="4" name="標題 1"/>
           <p:cNvSpPr>
             <a:spLocks noGrp="1"/>
@@ -8413,7 +8577,7 @@
 </p:sld>
 </file>
 
-<file path=ppt/slides/slide15.xml><?xml version="1.0" encoding="utf-8"?>
+<file path=ppt/slides/slide16.xml><?xml version="1.0" encoding="utf-8"?>
 <p:sld xmlns:a="http://schemas.openxmlformats.org/drawingml/2006/main" xmlns:r="http://schemas.openxmlformats.org/officeDocument/2006/relationships" xmlns:p="http://schemas.openxmlformats.org/presentationml/2006/main">
   <p:cSld>
     <p:spTree>
@@ -9425,7 +9589,7 @@
       </p:grpSpPr>
       <p:sp>
         <p:nvSpPr>
-          <p:cNvPr id="2" name="標題 1"/>
+          <p:cNvPr id="4" name="標題 1"/>
           <p:cNvSpPr>
             <a:spLocks noGrp="1"/>
           </p:cNvSpPr>
@@ -9435,56 +9599,28 @@
         </p:nvSpPr>
         <p:spPr>
           <a:xfrm>
-            <a:off x="1620336" y="657361"/>
+            <a:off x="2563622" y="2725968"/>
             <a:ext cx="8911687" cy="1280890"/>
           </a:xfrm>
         </p:spPr>
         <p:txBody>
-          <a:bodyPr/>
+          <a:bodyPr>
+            <a:normAutofit/>
+          </a:bodyPr>
           <a:lstStyle/>
           <a:p>
             <a:r>
-              <a:rPr lang="en-US" altLang="zh-TW" dirty="0" smtClean="0"/>
-              <a:t>Design Class Diagram</a:t>
-            </a:r>
-            <a:endParaRPr lang="zh-TW" altLang="en-US" dirty="0"/>
-          </a:p>
-        </p:txBody>
-      </p:sp>
-      <p:pic>
-        <p:nvPicPr>
-          <p:cNvPr id="9" name="圖片 8"/>
-          <p:cNvPicPr>
-            <a:picLocks noChangeAspect="1"/>
-          </p:cNvPicPr>
-          <p:nvPr/>
-        </p:nvPicPr>
-        <p:blipFill>
-          <a:blip r:embed="rId2" cstate="print">
-            <a:extLst>
-              <a:ext uri="{28A0092B-C50C-407E-A947-70E740481C1C}">
-                <a14:useLocalDpi xmlns:a14="http://schemas.microsoft.com/office/drawing/2010/main" val="0"/>
-              </a:ext>
-            </a:extLst>
-          </a:blip>
-          <a:stretch>
-            <a:fillRect/>
-          </a:stretch>
-        </p:blipFill>
-        <p:spPr>
-          <a:xfrm>
-            <a:off x="678082" y="0"/>
-            <a:ext cx="11118468" cy="6858000"/>
-          </a:xfrm>
-          <a:prstGeom prst="rect">
-            <a:avLst/>
-          </a:prstGeom>
-        </p:spPr>
-      </p:pic>
+              <a:rPr lang="en-US" altLang="zh-TW" sz="4400" dirty="0"/>
+              <a:t>Design and implementation</a:t>
+            </a:r>
+            <a:endParaRPr lang="zh-TW" altLang="en-US" sz="4400" dirty="0"/>
+          </a:p>
+        </p:txBody>
+      </p:sp>
     </p:spTree>
     <p:extLst>
       <p:ext uri="{BB962C8B-B14F-4D97-AF65-F5344CB8AC3E}">
-        <p14:creationId xmlns:p14="http://schemas.microsoft.com/office/powerpoint/2010/main" val="2457498206"/>
+        <p14:creationId xmlns:p14="http://schemas.microsoft.com/office/powerpoint/2010/main" val="1912654475"/>
       </p:ext>
     </p:extLst>
   </p:cSld>
@@ -9494,75 +9630,7 @@
   <p:timing>
     <p:tnLst>
       <p:par>
-        <p:cTn id="1" dur="indefinite" restart="never" nodeType="tmRoot">
-          <p:childTnLst>
-            <p:seq concurrent="1" nextAc="seek">
-              <p:cTn id="2" dur="indefinite" nodeType="mainSeq">
-                <p:childTnLst>
-                  <p:par>
-                    <p:cTn id="3" fill="hold">
-                      <p:stCondLst>
-                        <p:cond delay="indefinite"/>
-                      </p:stCondLst>
-                      <p:childTnLst>
-                        <p:par>
-                          <p:cTn id="4" fill="hold">
-                            <p:stCondLst>
-                              <p:cond delay="0"/>
-                            </p:stCondLst>
-                            <p:childTnLst>
-                              <p:par>
-                                <p:cTn id="5" presetID="1" presetClass="entr" presetSubtype="0" fill="hold" nodeType="clickEffect">
-                                  <p:stCondLst>
-                                    <p:cond delay="0"/>
-                                  </p:stCondLst>
-                                  <p:childTnLst>
-                                    <p:set>
-                                      <p:cBhvr>
-                                        <p:cTn id="6" dur="1" fill="hold">
-                                          <p:stCondLst>
-                                            <p:cond delay="0"/>
-                                          </p:stCondLst>
-                                        </p:cTn>
-                                        <p:tgtEl>
-                                          <p:spTgt spid="9"/>
-                                        </p:tgtEl>
-                                        <p:attrNameLst>
-                                          <p:attrName>style.visibility</p:attrName>
-                                        </p:attrNameLst>
-                                      </p:cBhvr>
-                                      <p:to>
-                                        <p:strVal val="visible"/>
-                                      </p:to>
-                                    </p:set>
-                                  </p:childTnLst>
-                                </p:cTn>
-                              </p:par>
-                            </p:childTnLst>
-                          </p:cTn>
-                        </p:par>
-                      </p:childTnLst>
-                    </p:cTn>
-                  </p:par>
-                </p:childTnLst>
-              </p:cTn>
-              <p:prevCondLst>
-                <p:cond evt="onPrev" delay="0">
-                  <p:tgtEl>
-                    <p:sldTgt/>
-                  </p:tgtEl>
-                </p:cond>
-              </p:prevCondLst>
-              <p:nextCondLst>
-                <p:cond evt="onNext" delay="0">
-                  <p:tgtEl>
-                    <p:sldTgt/>
-                  </p:tgtEl>
-                </p:cond>
-              </p:nextCondLst>
-            </p:seq>
-          </p:childTnLst>
-        </p:cTn>
+        <p:cTn id="1" dur="indefinite" restart="never" nodeType="tmRoot"/>
       </p:par>
     </p:tnLst>
   </p:timing>

--- a/document/OOAD_Final_demo.pptx
+++ b/document/OOAD_Final_demo.pptx
@@ -1,9 +1,12 @@
 
 <file path=ppt/presentation.xml><?xml version="1.0" encoding="utf-8"?>
-<p:presentation xmlns:a="http://schemas.openxmlformats.org/drawingml/2006/main" xmlns:r="http://schemas.openxmlformats.org/officeDocument/2006/relationships" xmlns:p="http://schemas.openxmlformats.org/presentationml/2006/main" saveSubsetFonts="1">
+<p:presentation xmlns:a="http://schemas.openxmlformats.org/drawingml/2006/main" xmlns:r="http://schemas.openxmlformats.org/officeDocument/2006/relationships" xmlns:p="http://schemas.openxmlformats.org/presentationml/2006/main" showSpecialPlsOnTitleSld="0" saveSubsetFonts="1">
   <p:sldMasterIdLst>
     <p:sldMasterId id="2147483732" r:id="rId1"/>
   </p:sldMasterIdLst>
+  <p:notesMasterIdLst>
+    <p:notesMasterId r:id="rId18"/>
+  </p:notesMasterIdLst>
   <p:sldIdLst>
     <p:sldId id="256" r:id="rId2"/>
     <p:sldId id="257" r:id="rId3"/>
@@ -127,6 +130,608 @@
 </p:presentation>
 </file>
 
+<file path=ppt/notesMasters/notesMaster1.xml><?xml version="1.0" encoding="utf-8"?>
+<p:notesMaster xmlns:a="http://schemas.openxmlformats.org/drawingml/2006/main" xmlns:r="http://schemas.openxmlformats.org/officeDocument/2006/relationships" xmlns:p="http://schemas.openxmlformats.org/presentationml/2006/main">
+  <p:cSld>
+    <p:bg>
+      <p:bgRef idx="1001">
+        <a:schemeClr val="bg1"/>
+      </p:bgRef>
+    </p:bg>
+    <p:spTree>
+      <p:nvGrpSpPr>
+        <p:cNvPr id="1" name=""/>
+        <p:cNvGrpSpPr/>
+        <p:nvPr/>
+      </p:nvGrpSpPr>
+      <p:grpSpPr>
+        <a:xfrm>
+          <a:off x="0" y="0"/>
+          <a:ext cx="0" cy="0"/>
+          <a:chOff x="0" y="0"/>
+          <a:chExt cx="0" cy="0"/>
+        </a:xfrm>
+      </p:grpSpPr>
+      <p:sp>
+        <p:nvSpPr>
+          <p:cNvPr id="2" name="頁首版面配置區 1"/>
+          <p:cNvSpPr>
+            <a:spLocks noGrp="1"/>
+          </p:cNvSpPr>
+          <p:nvPr>
+            <p:ph type="hdr" sz="quarter"/>
+          </p:nvPr>
+        </p:nvSpPr>
+        <p:spPr>
+          <a:xfrm>
+            <a:off x="0" y="0"/>
+            <a:ext cx="2971800" cy="458788"/>
+          </a:xfrm>
+          <a:prstGeom prst="rect">
+            <a:avLst/>
+          </a:prstGeom>
+        </p:spPr>
+        <p:txBody>
+          <a:bodyPr vert="horz" lIns="91440" tIns="45720" rIns="91440" bIns="45720" rtlCol="0"/>
+          <a:lstStyle>
+            <a:lvl1pPr algn="l">
+              <a:defRPr sz="1200"/>
+            </a:lvl1pPr>
+          </a:lstStyle>
+          <a:p>
+            <a:endParaRPr lang="zh-TW" altLang="en-US"/>
+          </a:p>
+        </p:txBody>
+      </p:sp>
+      <p:sp>
+        <p:nvSpPr>
+          <p:cNvPr id="3" name="日期版面配置區 2"/>
+          <p:cNvSpPr>
+            <a:spLocks noGrp="1"/>
+          </p:cNvSpPr>
+          <p:nvPr>
+            <p:ph type="dt" idx="1"/>
+          </p:nvPr>
+        </p:nvSpPr>
+        <p:spPr>
+          <a:xfrm>
+            <a:off x="3884613" y="0"/>
+            <a:ext cx="2971800" cy="458788"/>
+          </a:xfrm>
+          <a:prstGeom prst="rect">
+            <a:avLst/>
+          </a:prstGeom>
+        </p:spPr>
+        <p:txBody>
+          <a:bodyPr vert="horz" lIns="91440" tIns="45720" rIns="91440" bIns="45720" rtlCol="0"/>
+          <a:lstStyle>
+            <a:lvl1pPr algn="r">
+              <a:defRPr sz="1200"/>
+            </a:lvl1pPr>
+          </a:lstStyle>
+          <a:p>
+            <a:fld id="{1E4C701F-C58F-475A-AC90-318A2B28B879}" type="datetimeFigureOut">
+              <a:rPr lang="zh-TW" altLang="en-US" smtClean="0"/>
+              <a:t>2017/6/19</a:t>
+            </a:fld>
+            <a:endParaRPr lang="zh-TW" altLang="en-US"/>
+          </a:p>
+        </p:txBody>
+      </p:sp>
+      <p:sp>
+        <p:nvSpPr>
+          <p:cNvPr id="4" name="投影片圖像版面配置區 3"/>
+          <p:cNvSpPr>
+            <a:spLocks noGrp="1" noRot="1" noChangeAspect="1"/>
+          </p:cNvSpPr>
+          <p:nvPr>
+            <p:ph type="sldImg" idx="2"/>
+          </p:nvPr>
+        </p:nvSpPr>
+        <p:spPr>
+          <a:xfrm>
+            <a:off x="685800" y="1143000"/>
+            <a:ext cx="5486400" cy="3086100"/>
+          </a:xfrm>
+          <a:prstGeom prst="rect">
+            <a:avLst/>
+          </a:prstGeom>
+          <a:noFill/>
+          <a:ln w="12700">
+            <a:solidFill>
+              <a:prstClr val="black"/>
+            </a:solidFill>
+          </a:ln>
+        </p:spPr>
+        <p:txBody>
+          <a:bodyPr vert="horz" lIns="91440" tIns="45720" rIns="91440" bIns="45720" rtlCol="0" anchor="ctr"/>
+          <a:lstStyle/>
+          <a:p>
+            <a:endParaRPr lang="zh-TW" altLang="en-US"/>
+          </a:p>
+        </p:txBody>
+      </p:sp>
+      <p:sp>
+        <p:nvSpPr>
+          <p:cNvPr id="5" name="備忘稿版面配置區 4"/>
+          <p:cNvSpPr>
+            <a:spLocks noGrp="1"/>
+          </p:cNvSpPr>
+          <p:nvPr>
+            <p:ph type="body" sz="quarter" idx="3"/>
+          </p:nvPr>
+        </p:nvSpPr>
+        <p:spPr>
+          <a:xfrm>
+            <a:off x="685800" y="4400550"/>
+            <a:ext cx="5486400" cy="3600450"/>
+          </a:xfrm>
+          <a:prstGeom prst="rect">
+            <a:avLst/>
+          </a:prstGeom>
+        </p:spPr>
+        <p:txBody>
+          <a:bodyPr vert="horz" lIns="91440" tIns="45720" rIns="91440" bIns="45720" rtlCol="0"/>
+          <a:lstStyle/>
+          <a:p>
+            <a:pPr lvl="0"/>
+            <a:r>
+              <a:rPr lang="zh-TW" altLang="en-US" smtClean="0"/>
+              <a:t>按一下以編輯母片文字樣式</a:t>
+            </a:r>
+          </a:p>
+          <a:p>
+            <a:pPr lvl="1"/>
+            <a:r>
+              <a:rPr lang="zh-TW" altLang="en-US" smtClean="0"/>
+              <a:t>第二層</a:t>
+            </a:r>
+          </a:p>
+          <a:p>
+            <a:pPr lvl="2"/>
+            <a:r>
+              <a:rPr lang="zh-TW" altLang="en-US" smtClean="0"/>
+              <a:t>第三層</a:t>
+            </a:r>
+          </a:p>
+          <a:p>
+            <a:pPr lvl="3"/>
+            <a:r>
+              <a:rPr lang="zh-TW" altLang="en-US" smtClean="0"/>
+              <a:t>第四層</a:t>
+            </a:r>
+          </a:p>
+          <a:p>
+            <a:pPr lvl="4"/>
+            <a:r>
+              <a:rPr lang="zh-TW" altLang="en-US" smtClean="0"/>
+              <a:t>第五層</a:t>
+            </a:r>
+            <a:endParaRPr lang="zh-TW" altLang="en-US"/>
+          </a:p>
+        </p:txBody>
+      </p:sp>
+      <p:sp>
+        <p:nvSpPr>
+          <p:cNvPr id="6" name="頁尾版面配置區 5"/>
+          <p:cNvSpPr>
+            <a:spLocks noGrp="1"/>
+          </p:cNvSpPr>
+          <p:nvPr>
+            <p:ph type="ftr" sz="quarter" idx="4"/>
+          </p:nvPr>
+        </p:nvSpPr>
+        <p:spPr>
+          <a:xfrm>
+            <a:off x="0" y="8685213"/>
+            <a:ext cx="2971800" cy="458787"/>
+          </a:xfrm>
+          <a:prstGeom prst="rect">
+            <a:avLst/>
+          </a:prstGeom>
+        </p:spPr>
+        <p:txBody>
+          <a:bodyPr vert="horz" lIns="91440" tIns="45720" rIns="91440" bIns="45720" rtlCol="0" anchor="b"/>
+          <a:lstStyle>
+            <a:lvl1pPr algn="l">
+              <a:defRPr sz="1200"/>
+            </a:lvl1pPr>
+          </a:lstStyle>
+          <a:p>
+            <a:endParaRPr lang="zh-TW" altLang="en-US"/>
+          </a:p>
+        </p:txBody>
+      </p:sp>
+      <p:sp>
+        <p:nvSpPr>
+          <p:cNvPr id="7" name="投影片編號版面配置區 6"/>
+          <p:cNvSpPr>
+            <a:spLocks noGrp="1"/>
+          </p:cNvSpPr>
+          <p:nvPr>
+            <p:ph type="sldNum" sz="quarter" idx="5"/>
+          </p:nvPr>
+        </p:nvSpPr>
+        <p:spPr>
+          <a:xfrm>
+            <a:off x="3884613" y="8685213"/>
+            <a:ext cx="2971800" cy="458787"/>
+          </a:xfrm>
+          <a:prstGeom prst="rect">
+            <a:avLst/>
+          </a:prstGeom>
+        </p:spPr>
+        <p:txBody>
+          <a:bodyPr vert="horz" lIns="91440" tIns="45720" rIns="91440" bIns="45720" rtlCol="0" anchor="b"/>
+          <a:lstStyle>
+            <a:lvl1pPr algn="r">
+              <a:defRPr sz="1200"/>
+            </a:lvl1pPr>
+          </a:lstStyle>
+          <a:p>
+            <a:fld id="{B4174D0E-7AB3-485A-BBA2-86FAB999F175}" type="slidenum">
+              <a:rPr lang="zh-TW" altLang="en-US" smtClean="0"/>
+              <a:t>‹#›</a:t>
+            </a:fld>
+            <a:endParaRPr lang="zh-TW" altLang="en-US"/>
+          </a:p>
+        </p:txBody>
+      </p:sp>
+    </p:spTree>
+    <p:extLst>
+      <p:ext uri="{BB962C8B-B14F-4D97-AF65-F5344CB8AC3E}">
+        <p14:creationId xmlns:p14="http://schemas.microsoft.com/office/powerpoint/2010/main" val="2293204899"/>
+      </p:ext>
+    </p:extLst>
+  </p:cSld>
+  <p:clrMap bg1="lt1" tx1="dk1" bg2="lt2" tx2="dk2" accent1="accent1" accent2="accent2" accent3="accent3" accent4="accent4" accent5="accent5" accent6="accent6" hlink="hlink" folHlink="folHlink"/>
+  <p:notesStyle>
+    <a:lvl1pPr marL="0" algn="l" defTabSz="914400" rtl="0" eaLnBrk="1" latinLnBrk="0" hangingPunct="1">
+      <a:defRPr sz="1200" kern="1200">
+        <a:solidFill>
+          <a:schemeClr val="tx1"/>
+        </a:solidFill>
+        <a:latin typeface="+mn-lt"/>
+        <a:ea typeface="+mn-ea"/>
+        <a:cs typeface="+mn-cs"/>
+      </a:defRPr>
+    </a:lvl1pPr>
+    <a:lvl2pPr marL="457200" algn="l" defTabSz="914400" rtl="0" eaLnBrk="1" latinLnBrk="0" hangingPunct="1">
+      <a:defRPr sz="1200" kern="1200">
+        <a:solidFill>
+          <a:schemeClr val="tx1"/>
+        </a:solidFill>
+        <a:latin typeface="+mn-lt"/>
+        <a:ea typeface="+mn-ea"/>
+        <a:cs typeface="+mn-cs"/>
+      </a:defRPr>
+    </a:lvl2pPr>
+    <a:lvl3pPr marL="914400" algn="l" defTabSz="914400" rtl="0" eaLnBrk="1" latinLnBrk="0" hangingPunct="1">
+      <a:defRPr sz="1200" kern="1200">
+        <a:solidFill>
+          <a:schemeClr val="tx1"/>
+        </a:solidFill>
+        <a:latin typeface="+mn-lt"/>
+        <a:ea typeface="+mn-ea"/>
+        <a:cs typeface="+mn-cs"/>
+      </a:defRPr>
+    </a:lvl3pPr>
+    <a:lvl4pPr marL="1371600" algn="l" defTabSz="914400" rtl="0" eaLnBrk="1" latinLnBrk="0" hangingPunct="1">
+      <a:defRPr sz="1200" kern="1200">
+        <a:solidFill>
+          <a:schemeClr val="tx1"/>
+        </a:solidFill>
+        <a:latin typeface="+mn-lt"/>
+        <a:ea typeface="+mn-ea"/>
+        <a:cs typeface="+mn-cs"/>
+      </a:defRPr>
+    </a:lvl4pPr>
+    <a:lvl5pPr marL="1828800" algn="l" defTabSz="914400" rtl="0" eaLnBrk="1" latinLnBrk="0" hangingPunct="1">
+      <a:defRPr sz="1200" kern="1200">
+        <a:solidFill>
+          <a:schemeClr val="tx1"/>
+        </a:solidFill>
+        <a:latin typeface="+mn-lt"/>
+        <a:ea typeface="+mn-ea"/>
+        <a:cs typeface="+mn-cs"/>
+      </a:defRPr>
+    </a:lvl5pPr>
+    <a:lvl6pPr marL="2286000" algn="l" defTabSz="914400" rtl="0" eaLnBrk="1" latinLnBrk="0" hangingPunct="1">
+      <a:defRPr sz="1200" kern="1200">
+        <a:solidFill>
+          <a:schemeClr val="tx1"/>
+        </a:solidFill>
+        <a:latin typeface="+mn-lt"/>
+        <a:ea typeface="+mn-ea"/>
+        <a:cs typeface="+mn-cs"/>
+      </a:defRPr>
+    </a:lvl6pPr>
+    <a:lvl7pPr marL="2743200" algn="l" defTabSz="914400" rtl="0" eaLnBrk="1" latinLnBrk="0" hangingPunct="1">
+      <a:defRPr sz="1200" kern="1200">
+        <a:solidFill>
+          <a:schemeClr val="tx1"/>
+        </a:solidFill>
+        <a:latin typeface="+mn-lt"/>
+        <a:ea typeface="+mn-ea"/>
+        <a:cs typeface="+mn-cs"/>
+      </a:defRPr>
+    </a:lvl7pPr>
+    <a:lvl8pPr marL="3200400" algn="l" defTabSz="914400" rtl="0" eaLnBrk="1" latinLnBrk="0" hangingPunct="1">
+      <a:defRPr sz="1200" kern="1200">
+        <a:solidFill>
+          <a:schemeClr val="tx1"/>
+        </a:solidFill>
+        <a:latin typeface="+mn-lt"/>
+        <a:ea typeface="+mn-ea"/>
+        <a:cs typeface="+mn-cs"/>
+      </a:defRPr>
+    </a:lvl8pPr>
+    <a:lvl9pPr marL="3657600" algn="l" defTabSz="914400" rtl="0" eaLnBrk="1" latinLnBrk="0" hangingPunct="1">
+      <a:defRPr sz="1200" kern="1200">
+        <a:solidFill>
+          <a:schemeClr val="tx1"/>
+        </a:solidFill>
+        <a:latin typeface="+mn-lt"/>
+        <a:ea typeface="+mn-ea"/>
+        <a:cs typeface="+mn-cs"/>
+      </a:defRPr>
+    </a:lvl9pPr>
+  </p:notesStyle>
+</p:notesMaster>
+</file>
+
+<file path=ppt/notesSlides/notesSlide1.xml><?xml version="1.0" encoding="utf-8"?>
+<p:notes xmlns:a="http://schemas.openxmlformats.org/drawingml/2006/main" xmlns:r="http://schemas.openxmlformats.org/officeDocument/2006/relationships" xmlns:p="http://schemas.openxmlformats.org/presentationml/2006/main">
+  <p:cSld>
+    <p:spTree>
+      <p:nvGrpSpPr>
+        <p:cNvPr id="1" name=""/>
+        <p:cNvGrpSpPr/>
+        <p:nvPr/>
+      </p:nvGrpSpPr>
+      <p:grpSpPr>
+        <a:xfrm>
+          <a:off x="0" y="0"/>
+          <a:ext cx="0" cy="0"/>
+          <a:chOff x="0" y="0"/>
+          <a:chExt cx="0" cy="0"/>
+        </a:xfrm>
+      </p:grpSpPr>
+      <p:sp>
+        <p:nvSpPr>
+          <p:cNvPr id="2" name="投影片圖像版面配置區 1"/>
+          <p:cNvSpPr>
+            <a:spLocks noGrp="1" noRot="1" noChangeAspect="1"/>
+          </p:cNvSpPr>
+          <p:nvPr>
+            <p:ph type="sldImg"/>
+          </p:nvPr>
+        </p:nvSpPr>
+        <p:spPr/>
+      </p:sp>
+      <p:sp>
+        <p:nvSpPr>
+          <p:cNvPr id="3" name="備忘稿版面配置區 2"/>
+          <p:cNvSpPr>
+            <a:spLocks noGrp="1"/>
+          </p:cNvSpPr>
+          <p:nvPr>
+            <p:ph type="body" idx="1"/>
+          </p:nvPr>
+        </p:nvSpPr>
+        <p:spPr/>
+        <p:txBody>
+          <a:bodyPr/>
+          <a:lstStyle/>
+          <a:p>
+            <a:endParaRPr lang="zh-TW" altLang="en-US"/>
+          </a:p>
+        </p:txBody>
+      </p:sp>
+      <p:sp>
+        <p:nvSpPr>
+          <p:cNvPr id="4" name="投影片編號版面配置區 3"/>
+          <p:cNvSpPr>
+            <a:spLocks noGrp="1"/>
+          </p:cNvSpPr>
+          <p:nvPr>
+            <p:ph type="sldNum" sz="quarter" idx="10"/>
+          </p:nvPr>
+        </p:nvSpPr>
+        <p:spPr/>
+        <p:txBody>
+          <a:bodyPr/>
+          <a:lstStyle/>
+          <a:p>
+            <a:fld id="{B4174D0E-7AB3-485A-BBA2-86FAB999F175}" type="slidenum">
+              <a:rPr lang="zh-TW" altLang="en-US" smtClean="0"/>
+              <a:t>1</a:t>
+            </a:fld>
+            <a:endParaRPr lang="zh-TW" altLang="en-US"/>
+          </a:p>
+        </p:txBody>
+      </p:sp>
+    </p:spTree>
+    <p:extLst>
+      <p:ext uri="{BB962C8B-B14F-4D97-AF65-F5344CB8AC3E}">
+        <p14:creationId xmlns:p14="http://schemas.microsoft.com/office/powerpoint/2010/main" val="3475401187"/>
+      </p:ext>
+    </p:extLst>
+  </p:cSld>
+  <p:clrMapOvr>
+    <a:masterClrMapping/>
+  </p:clrMapOvr>
+</p:notes>
+</file>
+
+<file path=ppt/notesSlides/notesSlide2.xml><?xml version="1.0" encoding="utf-8"?>
+<p:notes xmlns:a="http://schemas.openxmlformats.org/drawingml/2006/main" xmlns:r="http://schemas.openxmlformats.org/officeDocument/2006/relationships" xmlns:p="http://schemas.openxmlformats.org/presentationml/2006/main">
+  <p:cSld>
+    <p:spTree>
+      <p:nvGrpSpPr>
+        <p:cNvPr id="1" name=""/>
+        <p:cNvGrpSpPr/>
+        <p:nvPr/>
+      </p:nvGrpSpPr>
+      <p:grpSpPr>
+        <a:xfrm>
+          <a:off x="0" y="0"/>
+          <a:ext cx="0" cy="0"/>
+          <a:chOff x="0" y="0"/>
+          <a:chExt cx="0" cy="0"/>
+        </a:xfrm>
+      </p:grpSpPr>
+      <p:sp>
+        <p:nvSpPr>
+          <p:cNvPr id="2" name="投影片圖像版面配置區 1"/>
+          <p:cNvSpPr>
+            <a:spLocks noGrp="1" noRot="1" noChangeAspect="1"/>
+          </p:cNvSpPr>
+          <p:nvPr>
+            <p:ph type="sldImg"/>
+          </p:nvPr>
+        </p:nvSpPr>
+        <p:spPr/>
+      </p:sp>
+      <p:sp>
+        <p:nvSpPr>
+          <p:cNvPr id="3" name="備忘稿版面配置區 2"/>
+          <p:cNvSpPr>
+            <a:spLocks noGrp="1"/>
+          </p:cNvSpPr>
+          <p:nvPr>
+            <p:ph type="body" idx="1"/>
+          </p:nvPr>
+        </p:nvSpPr>
+        <p:spPr/>
+        <p:txBody>
+          <a:bodyPr/>
+          <a:lstStyle/>
+          <a:p>
+            <a:endParaRPr lang="zh-TW" altLang="en-US"/>
+          </a:p>
+        </p:txBody>
+      </p:sp>
+      <p:sp>
+        <p:nvSpPr>
+          <p:cNvPr id="4" name="投影片編號版面配置區 3"/>
+          <p:cNvSpPr>
+            <a:spLocks noGrp="1"/>
+          </p:cNvSpPr>
+          <p:nvPr>
+            <p:ph type="sldNum" sz="quarter" idx="10"/>
+          </p:nvPr>
+        </p:nvSpPr>
+        <p:spPr/>
+        <p:txBody>
+          <a:bodyPr/>
+          <a:lstStyle/>
+          <a:p>
+            <a:fld id="{B4174D0E-7AB3-485A-BBA2-86FAB999F175}" type="slidenum">
+              <a:rPr lang="zh-TW" altLang="en-US" smtClean="0"/>
+              <a:t>2</a:t>
+            </a:fld>
+            <a:endParaRPr lang="zh-TW" altLang="en-US"/>
+          </a:p>
+        </p:txBody>
+      </p:sp>
+    </p:spTree>
+    <p:extLst>
+      <p:ext uri="{BB962C8B-B14F-4D97-AF65-F5344CB8AC3E}">
+        <p14:creationId xmlns:p14="http://schemas.microsoft.com/office/powerpoint/2010/main" val="2929705606"/>
+      </p:ext>
+    </p:extLst>
+  </p:cSld>
+  <p:clrMapOvr>
+    <a:masterClrMapping/>
+  </p:clrMapOvr>
+</p:notes>
+</file>
+
+<file path=ppt/notesSlides/notesSlide3.xml><?xml version="1.0" encoding="utf-8"?>
+<p:notes xmlns:a="http://schemas.openxmlformats.org/drawingml/2006/main" xmlns:r="http://schemas.openxmlformats.org/officeDocument/2006/relationships" xmlns:p="http://schemas.openxmlformats.org/presentationml/2006/main">
+  <p:cSld>
+    <p:spTree>
+      <p:nvGrpSpPr>
+        <p:cNvPr id="1" name=""/>
+        <p:cNvGrpSpPr/>
+        <p:nvPr/>
+      </p:nvGrpSpPr>
+      <p:grpSpPr>
+        <a:xfrm>
+          <a:off x="0" y="0"/>
+          <a:ext cx="0" cy="0"/>
+          <a:chOff x="0" y="0"/>
+          <a:chExt cx="0" cy="0"/>
+        </a:xfrm>
+      </p:grpSpPr>
+      <p:sp>
+        <p:nvSpPr>
+          <p:cNvPr id="2" name="投影片圖像版面配置區 1"/>
+          <p:cNvSpPr>
+            <a:spLocks noGrp="1" noRot="1" noChangeAspect="1"/>
+          </p:cNvSpPr>
+          <p:nvPr>
+            <p:ph type="sldImg"/>
+          </p:nvPr>
+        </p:nvSpPr>
+        <p:spPr/>
+      </p:sp>
+      <p:sp>
+        <p:nvSpPr>
+          <p:cNvPr id="3" name="備忘稿版面配置區 2"/>
+          <p:cNvSpPr>
+            <a:spLocks noGrp="1"/>
+          </p:cNvSpPr>
+          <p:nvPr>
+            <p:ph type="body" idx="1"/>
+          </p:nvPr>
+        </p:nvSpPr>
+        <p:spPr/>
+        <p:txBody>
+          <a:bodyPr/>
+          <a:lstStyle/>
+          <a:p>
+            <a:endParaRPr lang="zh-TW" altLang="en-US"/>
+          </a:p>
+        </p:txBody>
+      </p:sp>
+      <p:sp>
+        <p:nvSpPr>
+          <p:cNvPr id="4" name="投影片編號版面配置區 3"/>
+          <p:cNvSpPr>
+            <a:spLocks noGrp="1"/>
+          </p:cNvSpPr>
+          <p:nvPr>
+            <p:ph type="sldNum" sz="quarter" idx="10"/>
+          </p:nvPr>
+        </p:nvSpPr>
+        <p:spPr/>
+        <p:txBody>
+          <a:bodyPr/>
+          <a:lstStyle/>
+          <a:p>
+            <a:fld id="{B4174D0E-7AB3-485A-BBA2-86FAB999F175}" type="slidenum">
+              <a:rPr lang="zh-TW" altLang="en-US" smtClean="0"/>
+              <a:t>16</a:t>
+            </a:fld>
+            <a:endParaRPr lang="zh-TW" altLang="en-US"/>
+          </a:p>
+        </p:txBody>
+      </p:sp>
+    </p:spTree>
+    <p:extLst>
+      <p:ext uri="{BB962C8B-B14F-4D97-AF65-F5344CB8AC3E}">
+        <p14:creationId xmlns:p14="http://schemas.microsoft.com/office/powerpoint/2010/main" val="423335590"/>
+      </p:ext>
+    </p:extLst>
+  </p:cSld>
+  <p:clrMapOvr>
+    <a:masterClrMapping/>
+  </p:clrMapOvr>
+</p:notes>
+</file>
+
 <file path=ppt/slideLayouts/slideLayout1.xml><?xml version="1.0" encoding="utf-8"?>
 <p:sldLayout xmlns:a="http://schemas.openxmlformats.org/drawingml/2006/main" xmlns:r="http://schemas.openxmlformats.org/officeDocument/2006/relationships" xmlns:p="http://schemas.openxmlformats.org/presentationml/2006/main" type="title" preserve="1">
   <p:cSld name="標題投影片">
@@ -313,7 +918,7 @@
           <a:bodyPr/>
           <a:lstStyle/>
           <a:p>
-            <a:fld id="{28DAA045-4540-44C0-BB87-F5B0427377A2}" type="datetimeFigureOut">
+            <a:fld id="{E1BA735B-3267-403F-8BA6-889BA6D5942F}" type="datetime1">
               <a:rPr lang="zh-TW" altLang="en-US" smtClean="0"/>
               <a:t>2017/6/19</a:t>
             </a:fld>
@@ -651,7 +1256,7 @@
           <a:bodyPr/>
           <a:lstStyle/>
           <a:p>
-            <a:fld id="{28DAA045-4540-44C0-BB87-F5B0427377A2}" type="datetimeFigureOut">
+            <a:fld id="{20EEB459-E87F-4C04-BB34-902F86C69E44}" type="datetime1">
               <a:rPr lang="zh-TW" altLang="en-US" smtClean="0"/>
               <a:t>2017/6/19</a:t>
             </a:fld>
@@ -1052,7 +1657,7 @@
           <a:bodyPr/>
           <a:lstStyle/>
           <a:p>
-            <a:fld id="{28DAA045-4540-44C0-BB87-F5B0427377A2}" type="datetimeFigureOut">
+            <a:fld id="{F43EC81C-7EF2-404B-9039-76341BF381E4}" type="datetime1">
               <a:rPr lang="zh-TW" altLang="en-US" smtClean="0"/>
               <a:t>2017/6/19</a:t>
             </a:fld>
@@ -1388,7 +1993,7 @@
           <a:bodyPr/>
           <a:lstStyle/>
           <a:p>
-            <a:fld id="{28DAA045-4540-44C0-BB87-F5B0427377A2}" type="datetimeFigureOut">
+            <a:fld id="{BB21826C-E483-4C98-84CA-96B2A193BD6C}" type="datetime1">
               <a:rPr lang="zh-TW" altLang="en-US" smtClean="0"/>
               <a:t>2017/6/19</a:t>
             </a:fld>
@@ -1708,7 +2313,7 @@
           <a:bodyPr/>
           <a:lstStyle/>
           <a:p>
-            <a:fld id="{28DAA045-4540-44C0-BB87-F5B0427377A2}" type="datetimeFigureOut">
+            <a:fld id="{5C51B6A1-3AF8-45ED-B085-C7923AE614D5}" type="datetime1">
               <a:rPr lang="zh-TW" altLang="en-US" smtClean="0"/>
               <a:t>2017/6/19</a:t>
             </a:fld>
@@ -2104,7 +2709,7 @@
           <a:bodyPr/>
           <a:lstStyle/>
           <a:p>
-            <a:fld id="{28DAA045-4540-44C0-BB87-F5B0427377A2}" type="datetimeFigureOut">
+            <a:fld id="{A1BF7D84-2C63-476D-BC65-AE4CFC3E3F65}" type="datetime1">
               <a:rPr lang="zh-TW" altLang="en-US" smtClean="0"/>
               <a:t>2017/6/19</a:t>
             </a:fld>
@@ -2361,7 +2966,7 @@
           <a:bodyPr/>
           <a:lstStyle/>
           <a:p>
-            <a:fld id="{28DAA045-4540-44C0-BB87-F5B0427377A2}" type="datetimeFigureOut">
+            <a:fld id="{A3B89944-E08F-46CD-8747-C5E2219B6EF9}" type="datetime1">
               <a:rPr lang="zh-TW" altLang="en-US" smtClean="0"/>
               <a:t>2017/6/19</a:t>
             </a:fld>
@@ -2623,7 +3228,7 @@
           <a:bodyPr/>
           <a:lstStyle/>
           <a:p>
-            <a:fld id="{28DAA045-4540-44C0-BB87-F5B0427377A2}" type="datetimeFigureOut">
+            <a:fld id="{A8D91CCA-FD11-432E-BE52-AF8E1DF3AC4D}" type="datetime1">
               <a:rPr lang="zh-TW" altLang="en-US" smtClean="0"/>
               <a:t>2017/6/19</a:t>
             </a:fld>
@@ -2885,7 +3490,7 @@
           <a:bodyPr/>
           <a:lstStyle/>
           <a:p>
-            <a:fld id="{28DAA045-4540-44C0-BB87-F5B0427377A2}" type="datetimeFigureOut">
+            <a:fld id="{B02090A1-B8FF-44F2-ACF5-72FE17ABE5D3}" type="datetime1">
               <a:rPr lang="zh-TW" altLang="en-US" smtClean="0"/>
               <a:t>2017/6/19</a:t>
             </a:fld>
@@ -3214,7 +3819,7 @@
           <a:bodyPr/>
           <a:lstStyle/>
           <a:p>
-            <a:fld id="{28DAA045-4540-44C0-BB87-F5B0427377A2}" type="datetimeFigureOut">
+            <a:fld id="{B0283D1C-2C1A-4B54-82F5-C1AD5453940C}" type="datetime1">
               <a:rPr lang="zh-TW" altLang="en-US" smtClean="0"/>
               <a:t>2017/6/19</a:t>
             </a:fld>
@@ -3537,7 +4142,7 @@
           <a:bodyPr/>
           <a:lstStyle/>
           <a:p>
-            <a:fld id="{28DAA045-4540-44C0-BB87-F5B0427377A2}" type="datetimeFigureOut">
+            <a:fld id="{C49475D9-B489-48B4-A2ED-EE9607570EAD}" type="datetime1">
               <a:rPr lang="zh-TW" altLang="en-US" smtClean="0"/>
               <a:t>2017/6/19</a:t>
             </a:fld>
@@ -3994,7 +4599,7 @@
           <a:bodyPr/>
           <a:lstStyle/>
           <a:p>
-            <a:fld id="{28DAA045-4540-44C0-BB87-F5B0427377A2}" type="datetimeFigureOut">
+            <a:fld id="{9971539A-B752-44B6-814C-0CCDE1D3B4CA}" type="datetime1">
               <a:rPr lang="zh-TW" altLang="en-US" smtClean="0"/>
               <a:t>2017/6/19</a:t>
             </a:fld>
@@ -4199,7 +4804,7 @@
           <a:bodyPr/>
           <a:lstStyle/>
           <a:p>
-            <a:fld id="{28DAA045-4540-44C0-BB87-F5B0427377A2}" type="datetimeFigureOut">
+            <a:fld id="{12344B46-1D15-4E50-823A-5DD8EB08ADEC}" type="datetime1">
               <a:rPr lang="zh-TW" altLang="en-US" smtClean="0"/>
               <a:t>2017/6/19</a:t>
             </a:fld>
@@ -4376,7 +4981,7 @@
           <a:bodyPr/>
           <a:lstStyle/>
           <a:p>
-            <a:fld id="{28DAA045-4540-44C0-BB87-F5B0427377A2}" type="datetimeFigureOut">
+            <a:fld id="{91479A36-C6EB-413F-9F78-6C1A3A525386}" type="datetime1">
               <a:rPr lang="zh-TW" altLang="en-US" smtClean="0"/>
               <a:t>2017/6/19</a:t>
             </a:fld>
@@ -4709,7 +5314,7 @@
           <a:bodyPr/>
           <a:lstStyle/>
           <a:p>
-            <a:fld id="{28DAA045-4540-44C0-BB87-F5B0427377A2}" type="datetimeFigureOut">
+            <a:fld id="{A7CB4731-4869-430F-BF8C-C35DFA3BEA43}" type="datetime1">
               <a:rPr lang="zh-TW" altLang="en-US" smtClean="0"/>
               <a:t>2017/6/19</a:t>
             </a:fld>
@@ -5054,7 +5659,7 @@
           <a:bodyPr/>
           <a:lstStyle/>
           <a:p>
-            <a:fld id="{28DAA045-4540-44C0-BB87-F5B0427377A2}" type="datetimeFigureOut">
+            <a:fld id="{942F94F9-6488-48D0-B225-F92652318167}" type="datetime1">
               <a:rPr lang="zh-TW" altLang="en-US" smtClean="0"/>
               <a:t>2017/6/19</a:t>
             </a:fld>
@@ -7171,7 +7776,7 @@
             </a:lvl1pPr>
           </a:lstStyle>
           <a:p>
-            <a:fld id="{28DAA045-4540-44C0-BB87-F5B0427377A2}" type="datetimeFigureOut">
+            <a:fld id="{9FC1B259-77AB-48D0-B193-04B2DC0A6DD5}" type="datetime1">
               <a:rPr lang="zh-TW" altLang="en-US" smtClean="0"/>
               <a:t>2017/6/19</a:t>
             </a:fld>
@@ -7281,6 +7886,7 @@
     <p:sldLayoutId id="2147483747" r:id="rId15"/>
     <p:sldLayoutId id="2147483748" r:id="rId16"/>
   </p:sldLayoutIdLst>
+  <p:hf hdr="0" ftr="0" dt="0"/>
   <p:txStyles>
     <p:titleStyle>
       <a:lvl1pPr algn="l" defTabSz="457200" rtl="0" eaLnBrk="1" latinLnBrk="0" hangingPunct="1">
@@ -7860,6 +8466,29 @@
           </a:prstGeom>
         </p:spPr>
       </p:pic>
+      <p:sp>
+        <p:nvSpPr>
+          <p:cNvPr id="4" name="投影片編號版面配置區 3"/>
+          <p:cNvSpPr>
+            <a:spLocks noGrp="1"/>
+          </p:cNvSpPr>
+          <p:nvPr>
+            <p:ph type="sldNum" sz="quarter" idx="12"/>
+          </p:nvPr>
+        </p:nvSpPr>
+        <p:spPr/>
+        <p:txBody>
+          <a:bodyPr/>
+          <a:lstStyle/>
+          <a:p>
+            <a:fld id="{B74CDD75-DFF8-4868-95F7-55420CE3A80D}" type="slidenum">
+              <a:rPr lang="zh-TW" altLang="en-US" smtClean="0"/>
+              <a:t>10</a:t>
+            </a:fld>
+            <a:endParaRPr lang="zh-TW" altLang="en-US"/>
+          </a:p>
+        </p:txBody>
+      </p:sp>
     </p:spTree>
     <p:extLst>
       <p:ext uri="{BB962C8B-B14F-4D97-AF65-F5344CB8AC3E}">
@@ -8049,6 +8678,29 @@
           </a:p>
         </p:txBody>
       </p:sp>
+      <p:sp>
+        <p:nvSpPr>
+          <p:cNvPr id="6" name="投影片編號版面配置區 5"/>
+          <p:cNvSpPr>
+            <a:spLocks noGrp="1"/>
+          </p:cNvSpPr>
+          <p:nvPr>
+            <p:ph type="sldNum" sz="quarter" idx="12"/>
+          </p:nvPr>
+        </p:nvSpPr>
+        <p:spPr/>
+        <p:txBody>
+          <a:bodyPr/>
+          <a:lstStyle/>
+          <a:p>
+            <a:fld id="{B74CDD75-DFF8-4868-95F7-55420CE3A80D}" type="slidenum">
+              <a:rPr lang="zh-TW" altLang="en-US" smtClean="0"/>
+              <a:t>11</a:t>
+            </a:fld>
+            <a:endParaRPr lang="zh-TW" altLang="en-US"/>
+          </a:p>
+        </p:txBody>
+      </p:sp>
     </p:spTree>
     <p:extLst>
       <p:ext uri="{BB962C8B-B14F-4D97-AF65-F5344CB8AC3E}">
@@ -8245,6 +8897,29 @@
           </a:p>
         </p:txBody>
       </p:sp>
+      <p:sp>
+        <p:nvSpPr>
+          <p:cNvPr id="3" name="投影片編號版面配置區 2"/>
+          <p:cNvSpPr>
+            <a:spLocks noGrp="1"/>
+          </p:cNvSpPr>
+          <p:nvPr>
+            <p:ph type="sldNum" sz="quarter" idx="12"/>
+          </p:nvPr>
+        </p:nvSpPr>
+        <p:spPr/>
+        <p:txBody>
+          <a:bodyPr/>
+          <a:lstStyle/>
+          <a:p>
+            <a:fld id="{B74CDD75-DFF8-4868-95F7-55420CE3A80D}" type="slidenum">
+              <a:rPr lang="zh-TW" altLang="en-US" smtClean="0"/>
+              <a:t>12</a:t>
+            </a:fld>
+            <a:endParaRPr lang="zh-TW" altLang="en-US"/>
+          </a:p>
+        </p:txBody>
+      </p:sp>
     </p:spTree>
     <p:extLst>
       <p:ext uri="{BB962C8B-B14F-4D97-AF65-F5344CB8AC3E}">
@@ -8308,6 +8983,29 @@
               <a:t>Demo for Unit Tests</a:t>
             </a:r>
             <a:endParaRPr lang="zh-TW" altLang="en-US" dirty="0"/>
+          </a:p>
+        </p:txBody>
+      </p:sp>
+      <p:sp>
+        <p:nvSpPr>
+          <p:cNvPr id="4" name="投影片編號版面配置區 3"/>
+          <p:cNvSpPr>
+            <a:spLocks noGrp="1"/>
+          </p:cNvSpPr>
+          <p:nvPr>
+            <p:ph type="sldNum" sz="quarter" idx="12"/>
+          </p:nvPr>
+        </p:nvSpPr>
+        <p:spPr/>
+        <p:txBody>
+          <a:bodyPr/>
+          <a:lstStyle/>
+          <a:p>
+            <a:fld id="{B74CDD75-DFF8-4868-95F7-55420CE3A80D}" type="slidenum">
+              <a:rPr lang="zh-TW" altLang="en-US" smtClean="0"/>
+              <a:t>13</a:t>
+            </a:fld>
+            <a:endParaRPr lang="zh-TW" altLang="en-US"/>
           </a:p>
         </p:txBody>
       </p:sp>
@@ -8491,6 +9189,29 @@
           </a:p>
         </p:txBody>
       </p:sp>
+      <p:sp>
+        <p:nvSpPr>
+          <p:cNvPr id="4" name="投影片編號版面配置區 3"/>
+          <p:cNvSpPr>
+            <a:spLocks noGrp="1"/>
+          </p:cNvSpPr>
+          <p:nvPr>
+            <p:ph type="sldNum" sz="quarter" idx="12"/>
+          </p:nvPr>
+        </p:nvSpPr>
+        <p:spPr/>
+        <p:txBody>
+          <a:bodyPr/>
+          <a:lstStyle/>
+          <a:p>
+            <a:fld id="{B74CDD75-DFF8-4868-95F7-55420CE3A80D}" type="slidenum">
+              <a:rPr lang="zh-TW" altLang="en-US" smtClean="0"/>
+              <a:t>14</a:t>
+            </a:fld>
+            <a:endParaRPr lang="zh-TW" altLang="en-US"/>
+          </a:p>
+        </p:txBody>
+      </p:sp>
     </p:spTree>
     <p:extLst>
       <p:ext uri="{BB962C8B-B14F-4D97-AF65-F5344CB8AC3E}">
@@ -8557,6 +9278,29 @@
           </a:p>
         </p:txBody>
       </p:sp>
+      <p:sp>
+        <p:nvSpPr>
+          <p:cNvPr id="3" name="投影片編號版面配置區 2"/>
+          <p:cNvSpPr>
+            <a:spLocks noGrp="1"/>
+          </p:cNvSpPr>
+          <p:nvPr>
+            <p:ph type="sldNum" sz="quarter" idx="12"/>
+          </p:nvPr>
+        </p:nvSpPr>
+        <p:spPr/>
+        <p:txBody>
+          <a:bodyPr/>
+          <a:lstStyle/>
+          <a:p>
+            <a:fld id="{B74CDD75-DFF8-4868-95F7-55420CE3A80D}" type="slidenum">
+              <a:rPr lang="zh-TW" altLang="en-US" smtClean="0"/>
+              <a:t>15</a:t>
+            </a:fld>
+            <a:endParaRPr lang="zh-TW" altLang="en-US"/>
+          </a:p>
+        </p:txBody>
+      </p:sp>
     </p:spTree>
     <p:extLst>
       <p:ext uri="{BB962C8B-B14F-4D97-AF65-F5344CB8AC3E}">
@@ -8625,6 +9369,29 @@
           </a:p>
         </p:txBody>
       </p:sp>
+      <p:sp>
+        <p:nvSpPr>
+          <p:cNvPr id="4" name="投影片編號版面配置區 3"/>
+          <p:cNvSpPr>
+            <a:spLocks noGrp="1"/>
+          </p:cNvSpPr>
+          <p:nvPr>
+            <p:ph type="sldNum" sz="quarter" idx="12"/>
+          </p:nvPr>
+        </p:nvSpPr>
+        <p:spPr/>
+        <p:txBody>
+          <a:bodyPr/>
+          <a:lstStyle/>
+          <a:p>
+            <a:fld id="{B74CDD75-DFF8-4868-95F7-55420CE3A80D}" type="slidenum">
+              <a:rPr lang="zh-TW" altLang="en-US" smtClean="0"/>
+              <a:t>16</a:t>
+            </a:fld>
+            <a:endParaRPr lang="zh-TW" altLang="en-US"/>
+          </a:p>
+        </p:txBody>
+      </p:sp>
     </p:spTree>
     <p:extLst>
       <p:ext uri="{BB962C8B-B14F-4D97-AF65-F5344CB8AC3E}">
@@ -8720,6 +9487,29 @@
               <a:rPr lang="zh-TW" altLang="zh-TW" sz="2400" dirty="0"/>
               <a:t>本軟體主要以圖形介面呈現，使用者一開始需要把專案的需求與測試項目新增至本軟體，軟體會依據使用者新增的內容，產生需求與測試的關係圖，讓使用者知道需求與測試的關係和完成狀態。</a:t>
             </a:r>
+          </a:p>
+        </p:txBody>
+      </p:sp>
+      <p:sp>
+        <p:nvSpPr>
+          <p:cNvPr id="5" name="投影片編號版面配置區 4"/>
+          <p:cNvSpPr>
+            <a:spLocks noGrp="1"/>
+          </p:cNvSpPr>
+          <p:nvPr>
+            <p:ph type="sldNum" sz="quarter" idx="12"/>
+          </p:nvPr>
+        </p:nvSpPr>
+        <p:spPr/>
+        <p:txBody>
+          <a:bodyPr/>
+          <a:lstStyle/>
+          <a:p>
+            <a:fld id="{B74CDD75-DFF8-4868-95F7-55420CE3A80D}" type="slidenum">
+              <a:rPr lang="zh-TW" altLang="en-US" smtClean="0"/>
+              <a:t>2</a:t>
+            </a:fld>
+            <a:endParaRPr lang="zh-TW" altLang="en-US"/>
           </a:p>
         </p:txBody>
       </p:sp>
@@ -8824,6 +9614,29 @@
           </a:extLst>
         </p:spPr>
       </p:pic>
+      <p:sp>
+        <p:nvSpPr>
+          <p:cNvPr id="4" name="投影片編號版面配置區 3"/>
+          <p:cNvSpPr>
+            <a:spLocks noGrp="1"/>
+          </p:cNvSpPr>
+          <p:nvPr>
+            <p:ph type="sldNum" sz="quarter" idx="12"/>
+          </p:nvPr>
+        </p:nvSpPr>
+        <p:spPr/>
+        <p:txBody>
+          <a:bodyPr/>
+          <a:lstStyle/>
+          <a:p>
+            <a:fld id="{B74CDD75-DFF8-4868-95F7-55420CE3A80D}" type="slidenum">
+              <a:rPr lang="zh-TW" altLang="en-US" smtClean="0"/>
+              <a:t>3</a:t>
+            </a:fld>
+            <a:endParaRPr lang="zh-TW" altLang="en-US"/>
+          </a:p>
+        </p:txBody>
+      </p:sp>
     </p:spTree>
     <p:extLst>
       <p:ext uri="{BB962C8B-B14F-4D97-AF65-F5344CB8AC3E}">
@@ -9017,6 +9830,29 @@
           </a:p>
         </p:txBody>
       </p:sp>
+      <p:sp>
+        <p:nvSpPr>
+          <p:cNvPr id="5" name="投影片編號版面配置區 4"/>
+          <p:cNvSpPr>
+            <a:spLocks noGrp="1"/>
+          </p:cNvSpPr>
+          <p:nvPr>
+            <p:ph type="sldNum" sz="quarter" idx="12"/>
+          </p:nvPr>
+        </p:nvSpPr>
+        <p:spPr/>
+        <p:txBody>
+          <a:bodyPr/>
+          <a:lstStyle/>
+          <a:p>
+            <a:fld id="{B74CDD75-DFF8-4868-95F7-55420CE3A80D}" type="slidenum">
+              <a:rPr lang="zh-TW" altLang="en-US" smtClean="0"/>
+              <a:t>4</a:t>
+            </a:fld>
+            <a:endParaRPr lang="zh-TW" altLang="en-US"/>
+          </a:p>
+        </p:txBody>
+      </p:sp>
     </p:spTree>
     <p:extLst>
       <p:ext uri="{BB962C8B-B14F-4D97-AF65-F5344CB8AC3E}">
@@ -9084,6 +9920,29 @@
           </a:p>
         </p:txBody>
       </p:sp>
+      <p:sp>
+        <p:nvSpPr>
+          <p:cNvPr id="3" name="投影片編號版面配置區 2"/>
+          <p:cNvSpPr>
+            <a:spLocks noGrp="1"/>
+          </p:cNvSpPr>
+          <p:nvPr>
+            <p:ph type="sldNum" sz="quarter" idx="12"/>
+          </p:nvPr>
+        </p:nvSpPr>
+        <p:spPr/>
+        <p:txBody>
+          <a:bodyPr/>
+          <a:lstStyle/>
+          <a:p>
+            <a:fld id="{B74CDD75-DFF8-4868-95F7-55420CE3A80D}" type="slidenum">
+              <a:rPr lang="zh-TW" altLang="en-US" smtClean="0"/>
+              <a:t>5</a:t>
+            </a:fld>
+            <a:endParaRPr lang="zh-TW" altLang="en-US"/>
+          </a:p>
+        </p:txBody>
+      </p:sp>
     </p:spTree>
     <p:extLst>
       <p:ext uri="{BB962C8B-B14F-4D97-AF65-F5344CB8AC3E}">
@@ -9168,6 +10027,29 @@
           </a:prstGeom>
         </p:spPr>
       </p:pic>
+      <p:sp>
+        <p:nvSpPr>
+          <p:cNvPr id="4" name="投影片編號版面配置區 3"/>
+          <p:cNvSpPr>
+            <a:spLocks noGrp="1"/>
+          </p:cNvSpPr>
+          <p:nvPr>
+            <p:ph type="sldNum" sz="quarter" idx="12"/>
+          </p:nvPr>
+        </p:nvSpPr>
+        <p:spPr/>
+        <p:txBody>
+          <a:bodyPr/>
+          <a:lstStyle/>
+          <a:p>
+            <a:fld id="{B74CDD75-DFF8-4868-95F7-55420CE3A80D}" type="slidenum">
+              <a:rPr lang="zh-TW" altLang="en-US" smtClean="0"/>
+              <a:t>6</a:t>
+            </a:fld>
+            <a:endParaRPr lang="zh-TW" altLang="en-US"/>
+          </a:p>
+        </p:txBody>
+      </p:sp>
     </p:spTree>
     <p:extLst>
       <p:ext uri="{BB962C8B-B14F-4D97-AF65-F5344CB8AC3E}">
@@ -9327,6 +10209,29 @@
           </a:prstGeom>
         </p:spPr>
       </p:pic>
+      <p:sp>
+        <p:nvSpPr>
+          <p:cNvPr id="7" name="投影片編號版面配置區 6"/>
+          <p:cNvSpPr>
+            <a:spLocks noGrp="1"/>
+          </p:cNvSpPr>
+          <p:nvPr>
+            <p:ph type="sldNum" sz="quarter" idx="12"/>
+          </p:nvPr>
+        </p:nvSpPr>
+        <p:spPr/>
+        <p:txBody>
+          <a:bodyPr/>
+          <a:lstStyle/>
+          <a:p>
+            <a:fld id="{B74CDD75-DFF8-4868-95F7-55420CE3A80D}" type="slidenum">
+              <a:rPr lang="zh-TW" altLang="en-US" smtClean="0"/>
+              <a:t>7</a:t>
+            </a:fld>
+            <a:endParaRPr lang="zh-TW" altLang="en-US"/>
+          </a:p>
+        </p:txBody>
+      </p:sp>
     </p:spTree>
     <p:extLst>
       <p:ext uri="{BB962C8B-B14F-4D97-AF65-F5344CB8AC3E}">
@@ -9509,15 +10414,7 @@
                   <a:srgbClr val="FF0000"/>
                 </a:solidFill>
               </a:rPr>
-              <a:t>Total </a:t>
-            </a:r>
-            <a:r>
-              <a:rPr lang="en-US" altLang="zh-TW" b="1" dirty="0" smtClean="0">
-                <a:solidFill>
-                  <a:srgbClr val="FF0000"/>
-                </a:solidFill>
-              </a:rPr>
-              <a:t>time for whole project:</a:t>
+              <a:t>Total time for whole project:</a:t>
             </a:r>
             <a:br>
               <a:rPr lang="en-US" altLang="zh-TW" b="1" dirty="0" smtClean="0">
@@ -9532,21 +10429,36 @@
                   <a:srgbClr val="FF0000"/>
                 </a:solidFill>
               </a:rPr>
-              <a:t>173.1</a:t>
-            </a:r>
-            <a:r>
-              <a:rPr lang="en-US" altLang="zh-TW" b="1" dirty="0" smtClean="0">
-                <a:solidFill>
-                  <a:srgbClr val="FF0000"/>
-                </a:solidFill>
-              </a:rPr>
-              <a:t>hr</a:t>
+              <a:t>173.1hr</a:t>
             </a:r>
             <a:endParaRPr lang="zh-TW" altLang="en-US" b="1" dirty="0">
               <a:solidFill>
                 <a:srgbClr val="FF0000"/>
               </a:solidFill>
             </a:endParaRPr>
+          </a:p>
+        </p:txBody>
+      </p:sp>
+      <p:sp>
+        <p:nvSpPr>
+          <p:cNvPr id="7" name="投影片編號版面配置區 6"/>
+          <p:cNvSpPr>
+            <a:spLocks noGrp="1"/>
+          </p:cNvSpPr>
+          <p:nvPr>
+            <p:ph type="sldNum" sz="quarter" idx="12"/>
+          </p:nvPr>
+        </p:nvSpPr>
+        <p:spPr/>
+        <p:txBody>
+          <a:bodyPr/>
+          <a:lstStyle/>
+          <a:p>
+            <a:fld id="{B74CDD75-DFF8-4868-95F7-55420CE3A80D}" type="slidenum">
+              <a:rPr lang="zh-TW" altLang="en-US" smtClean="0"/>
+              <a:t>8</a:t>
+            </a:fld>
+            <a:endParaRPr lang="zh-TW" altLang="en-US"/>
           </a:p>
         </p:txBody>
       </p:sp>
@@ -9614,6 +10526,29 @@
               <a:t>Design and implementation</a:t>
             </a:r>
             <a:endParaRPr lang="zh-TW" altLang="en-US" sz="4400" dirty="0"/>
+          </a:p>
+        </p:txBody>
+      </p:sp>
+      <p:sp>
+        <p:nvSpPr>
+          <p:cNvPr id="3" name="投影片編號版面配置區 2"/>
+          <p:cNvSpPr>
+            <a:spLocks noGrp="1"/>
+          </p:cNvSpPr>
+          <p:nvPr>
+            <p:ph type="sldNum" sz="quarter" idx="12"/>
+          </p:nvPr>
+        </p:nvSpPr>
+        <p:spPr/>
+        <p:txBody>
+          <a:bodyPr/>
+          <a:lstStyle/>
+          <a:p>
+            <a:fld id="{B74CDD75-DFF8-4868-95F7-55420CE3A80D}" type="slidenum">
+              <a:rPr lang="zh-TW" altLang="en-US" smtClean="0"/>
+              <a:t>9</a:t>
+            </a:fld>
+            <a:endParaRPr lang="zh-TW" altLang="en-US"/>
           </a:p>
         </p:txBody>
       </p:sp>
@@ -9878,4 +10813,265 @@
     </a:ext>
   </a:extLst>
 </a:theme>
+</file>
+
+<file path=ppt/theme/theme2.xml><?xml version="1.0" encoding="utf-8"?>
+<a:theme xmlns:a="http://schemas.openxmlformats.org/drawingml/2006/main" name="Office 佈景主題">
+  <a:themeElements>
+    <a:clrScheme name="Office">
+      <a:dk1>
+        <a:sysClr val="windowText" lastClr="000000"/>
+      </a:dk1>
+      <a:lt1>
+        <a:sysClr val="window" lastClr="FFFFFF"/>
+      </a:lt1>
+      <a:dk2>
+        <a:srgbClr val="44546A"/>
+      </a:dk2>
+      <a:lt2>
+        <a:srgbClr val="E7E6E6"/>
+      </a:lt2>
+      <a:accent1>
+        <a:srgbClr val="5B9BD5"/>
+      </a:accent1>
+      <a:accent2>
+        <a:srgbClr val="ED7D31"/>
+      </a:accent2>
+      <a:accent3>
+        <a:srgbClr val="A5A5A5"/>
+      </a:accent3>
+      <a:accent4>
+        <a:srgbClr val="FFC000"/>
+      </a:accent4>
+      <a:accent5>
+        <a:srgbClr val="4472C4"/>
+      </a:accent5>
+      <a:accent6>
+        <a:srgbClr val="70AD47"/>
+      </a:accent6>
+      <a:hlink>
+        <a:srgbClr val="0563C1"/>
+      </a:hlink>
+      <a:folHlink>
+        <a:srgbClr val="954F72"/>
+      </a:folHlink>
+    </a:clrScheme>
+    <a:fontScheme name="Office">
+      <a:majorFont>
+        <a:latin typeface="Calibri Light" panose="020F0302020204030204"/>
+        <a:ea typeface=""/>
+        <a:cs typeface=""/>
+        <a:font script="Jpan" typeface="ＭＳ Ｐゴシック"/>
+        <a:font script="Hang" typeface="맑은 고딕"/>
+        <a:font script="Hans" typeface="宋体"/>
+        <a:font script="Hant" typeface="新細明體"/>
+        <a:font script="Arab" typeface="Times New Roman"/>
+        <a:font script="Hebr" typeface="Times New Roman"/>
+        <a:font script="Thai" typeface="Angsana New"/>
+        <a:font script="Ethi" typeface="Nyala"/>
+        <a:font script="Beng" typeface="Vrinda"/>
+        <a:font script="Gujr" typeface="Shruti"/>
+        <a:font script="Khmr" typeface="MoolBoran"/>
+        <a:font script="Knda" typeface="Tunga"/>
+        <a:font script="Guru" typeface="Raavi"/>
+        <a:font script="Cans" typeface="Euphemia"/>
+        <a:font script="Cher" typeface="Plantagenet Cherokee"/>
+        <a:font script="Yiii" typeface="Microsoft Yi Baiti"/>
+        <a:font script="Tibt" typeface="Microsoft Himalaya"/>
+        <a:font script="Thaa" typeface="MV Boli"/>
+        <a:font script="Deva" typeface="Mangal"/>
+        <a:font script="Telu" typeface="Gautami"/>
+        <a:font script="Taml" typeface="Latha"/>
+        <a:font script="Syrc" typeface="Estrangelo Edessa"/>
+        <a:font script="Orya" typeface="Kalinga"/>
+        <a:font script="Mlym" typeface="Kartika"/>
+        <a:font script="Laoo" typeface="DokChampa"/>
+        <a:font script="Sinh" typeface="Iskoola Pota"/>
+        <a:font script="Mong" typeface="Mongolian Baiti"/>
+        <a:font script="Viet" typeface="Times New Roman"/>
+        <a:font script="Uigh" typeface="Microsoft Uighur"/>
+        <a:font script="Geor" typeface="Sylfaen"/>
+      </a:majorFont>
+      <a:minorFont>
+        <a:latin typeface="Calibri" panose="020F0502020204030204"/>
+        <a:ea typeface=""/>
+        <a:cs typeface=""/>
+        <a:font script="Jpan" typeface="ＭＳ Ｐゴシック"/>
+        <a:font script="Hang" typeface="맑은 고딕"/>
+        <a:font script="Hans" typeface="宋体"/>
+        <a:font script="Hant" typeface="新細明體"/>
+        <a:font script="Arab" typeface="Arial"/>
+        <a:font script="Hebr" typeface="Arial"/>
+        <a:font script="Thai" typeface="Cordia New"/>
+        <a:font script="Ethi" typeface="Nyala"/>
+        <a:font script="Beng" typeface="Vrinda"/>
+        <a:font script="Gujr" typeface="Shruti"/>
+        <a:font script="Khmr" typeface="DaunPenh"/>
+        <a:font script="Knda" typeface="Tunga"/>
+        <a:font script="Guru" typeface="Raavi"/>
+        <a:font script="Cans" typeface="Euphemia"/>
+        <a:font script="Cher" typeface="Plantagenet Cherokee"/>
+        <a:font script="Yiii" typeface="Microsoft Yi Baiti"/>
+        <a:font script="Tibt" typeface="Microsoft Himalaya"/>
+        <a:font script="Thaa" typeface="MV Boli"/>
+        <a:font script="Deva" typeface="Mangal"/>
+        <a:font script="Telu" typeface="Gautami"/>
+        <a:font script="Taml" typeface="Latha"/>
+        <a:font script="Syrc" typeface="Estrangelo Edessa"/>
+        <a:font script="Orya" typeface="Kalinga"/>
+        <a:font script="Mlym" typeface="Kartika"/>
+        <a:font script="Laoo" typeface="DokChampa"/>
+        <a:font script="Sinh" typeface="Iskoola Pota"/>
+        <a:font script="Mong" typeface="Mongolian Baiti"/>
+        <a:font script="Viet" typeface="Arial"/>
+        <a:font script="Uigh" typeface="Microsoft Uighur"/>
+        <a:font script="Geor" typeface="Sylfaen"/>
+      </a:minorFont>
+    </a:fontScheme>
+    <a:fmtScheme name="Office">
+      <a:fillStyleLst>
+        <a:solidFill>
+          <a:schemeClr val="phClr"/>
+        </a:solidFill>
+        <a:gradFill rotWithShape="1">
+          <a:gsLst>
+            <a:gs pos="0">
+              <a:schemeClr val="phClr">
+                <a:lumMod val="110000"/>
+                <a:satMod val="105000"/>
+                <a:tint val="67000"/>
+              </a:schemeClr>
+            </a:gs>
+            <a:gs pos="50000">
+              <a:schemeClr val="phClr">
+                <a:lumMod val="105000"/>
+                <a:satMod val="103000"/>
+                <a:tint val="73000"/>
+              </a:schemeClr>
+            </a:gs>
+            <a:gs pos="100000">
+              <a:schemeClr val="phClr">
+                <a:lumMod val="105000"/>
+                <a:satMod val="109000"/>
+                <a:tint val="81000"/>
+              </a:schemeClr>
+            </a:gs>
+          </a:gsLst>
+          <a:lin ang="5400000" scaled="0"/>
+        </a:gradFill>
+        <a:gradFill rotWithShape="1">
+          <a:gsLst>
+            <a:gs pos="0">
+              <a:schemeClr val="phClr">
+                <a:satMod val="103000"/>
+                <a:lumMod val="102000"/>
+                <a:tint val="94000"/>
+              </a:schemeClr>
+            </a:gs>
+            <a:gs pos="50000">
+              <a:schemeClr val="phClr">
+                <a:satMod val="110000"/>
+                <a:lumMod val="100000"/>
+                <a:shade val="100000"/>
+              </a:schemeClr>
+            </a:gs>
+            <a:gs pos="100000">
+              <a:schemeClr val="phClr">
+                <a:lumMod val="99000"/>
+                <a:satMod val="120000"/>
+                <a:shade val="78000"/>
+              </a:schemeClr>
+            </a:gs>
+          </a:gsLst>
+          <a:lin ang="5400000" scaled="0"/>
+        </a:gradFill>
+      </a:fillStyleLst>
+      <a:lnStyleLst>
+        <a:ln w="6350" cap="flat" cmpd="sng" algn="ctr">
+          <a:solidFill>
+            <a:schemeClr val="phClr"/>
+          </a:solidFill>
+          <a:prstDash val="solid"/>
+          <a:miter lim="800000"/>
+        </a:ln>
+        <a:ln w="12700" cap="flat" cmpd="sng" algn="ctr">
+          <a:solidFill>
+            <a:schemeClr val="phClr"/>
+          </a:solidFill>
+          <a:prstDash val="solid"/>
+          <a:miter lim="800000"/>
+        </a:ln>
+        <a:ln w="19050" cap="flat" cmpd="sng" algn="ctr">
+          <a:solidFill>
+            <a:schemeClr val="phClr"/>
+          </a:solidFill>
+          <a:prstDash val="solid"/>
+          <a:miter lim="800000"/>
+        </a:ln>
+      </a:lnStyleLst>
+      <a:effectStyleLst>
+        <a:effectStyle>
+          <a:effectLst/>
+        </a:effectStyle>
+        <a:effectStyle>
+          <a:effectLst/>
+        </a:effectStyle>
+        <a:effectStyle>
+          <a:effectLst>
+            <a:outerShdw blurRad="57150" dist="19050" dir="5400000" algn="ctr" rotWithShape="0">
+              <a:srgbClr val="000000">
+                <a:alpha val="63000"/>
+              </a:srgbClr>
+            </a:outerShdw>
+          </a:effectLst>
+        </a:effectStyle>
+      </a:effectStyleLst>
+      <a:bgFillStyleLst>
+        <a:solidFill>
+          <a:schemeClr val="phClr"/>
+        </a:solidFill>
+        <a:solidFill>
+          <a:schemeClr val="phClr">
+            <a:tint val="95000"/>
+            <a:satMod val="170000"/>
+          </a:schemeClr>
+        </a:solidFill>
+        <a:gradFill rotWithShape="1">
+          <a:gsLst>
+            <a:gs pos="0">
+              <a:schemeClr val="phClr">
+                <a:tint val="93000"/>
+                <a:satMod val="150000"/>
+                <a:shade val="98000"/>
+                <a:lumMod val="102000"/>
+              </a:schemeClr>
+            </a:gs>
+            <a:gs pos="50000">
+              <a:schemeClr val="phClr">
+                <a:tint val="98000"/>
+                <a:satMod val="130000"/>
+                <a:shade val="90000"/>
+                <a:lumMod val="103000"/>
+              </a:schemeClr>
+            </a:gs>
+            <a:gs pos="100000">
+              <a:schemeClr val="phClr">
+                <a:shade val="63000"/>
+                <a:satMod val="120000"/>
+              </a:schemeClr>
+            </a:gs>
+          </a:gsLst>
+          <a:lin ang="5400000" scaled="0"/>
+        </a:gradFill>
+      </a:bgFillStyleLst>
+    </a:fmtScheme>
+  </a:themeElements>
+  <a:objectDefaults/>
+  <a:extraClrSchemeLst/>
+  <a:extLst>
+    <a:ext uri="{05A4C25C-085E-4340-85A3-A5531E510DB2}">
+      <thm15:themeFamily xmlns:thm15="http://schemas.microsoft.com/office/thememl/2012/main" name="Office Theme" id="{62F939B6-93AF-4DB8-9C6B-D6C7DFDC589F}" vid="{4A3C46E8-61CC-4603-A589-7422A47A8E4A}"/>
+    </a:ext>
+  </a:extLst>
+</a:theme>
 </file>